--- a/Non-Code Related/PowerPoint Presentation.pptx
+++ b/Non-Code Related/PowerPoint Presentation.pptx
@@ -10,7 +10,7 @@
     <p:sldId id="258" r:id="rId4"/>
     <p:sldId id="259" r:id="rId5"/>
     <p:sldId id="260" r:id="rId6"/>
-    <p:sldId id="261" r:id="rId7"/>
+    <p:sldId id="263" r:id="rId7"/>
     <p:sldId id="262" r:id="rId8"/>
   </p:sldIdLst>
   <p:sldSz cx="12192000" cy="6858000"/>
@@ -110,6 +110,11 @@
       </a:defRPr>
     </a:lvl9pPr>
   </p:defaultTextStyle>
+  <p:extLst>
+    <p:ext uri="{EFAFB233-063F-42B5-8137-9DF3F51BA10A}">
+      <p15:sldGuideLst xmlns:p15="http://schemas.microsoft.com/office/powerpoint/2012/main"/>
+    </p:ext>
+  </p:extLst>
 </p:presentation>
 </file>
 
@@ -3313,6 +3318,17 @@
 <file path=ppt/slides/slide1.xml><?xml version="1.0" encoding="utf-8"?>
 <p:sld xmlns:a="http://schemas.openxmlformats.org/drawingml/2006/main" xmlns:r="http://schemas.openxmlformats.org/officeDocument/2006/relationships" xmlns:p="http://schemas.openxmlformats.org/presentationml/2006/main">
   <p:cSld>
+    <p:bg>
+      <p:bgPr>
+        <a:solidFill>
+          <a:schemeClr val="bg1">
+            <a:tint val="95000"/>
+            <a:satMod val="170000"/>
+          </a:schemeClr>
+        </a:solidFill>
+        <a:effectLst/>
+      </p:bgPr>
+    </p:bg>
     <p:spTree>
       <p:nvGrpSpPr>
         <p:cNvPr id="1" name=""/>
@@ -3327,6 +3343,251 @@
           <a:chExt cx="0" cy="0"/>
         </a:xfrm>
       </p:grpSpPr>
+      <p:grpSp>
+        <p:nvGrpSpPr>
+          <p:cNvPr id="8" name="Group 7">
+            <a:extLst>
+              <a:ext uri="{FF2B5EF4-FFF2-40B4-BE49-F238E27FC236}">
+                <a16:creationId xmlns:a16="http://schemas.microsoft.com/office/drawing/2014/main" id="{D2C4BFA1-2075-4901-9E24-E41D1FDD51FD}"/>
+              </a:ext>
+              <a:ext uri="{C183D7F6-B498-43B3-948B-1728B52AA6E4}">
+                <adec:decorative xmlns:adec="http://schemas.microsoft.com/office/drawing/2017/decorative" val="1"/>
+              </a:ext>
+            </a:extLst>
+          </p:cNvPr>
+          <p:cNvGrpSpPr>
+            <a:grpSpLocks noGrp="1" noUngrp="1" noRot="1" noChangeAspect="1" noMove="1" noResize="1"/>
+          </p:cNvGrpSpPr>
+          <p:nvPr>
+            <p:extLst>
+              <p:ext uri="{386F3935-93C4-4BCD-93E2-E3B085C9AB24}">
+                <p16:designElem xmlns:p16="http://schemas.microsoft.com/office/powerpoint/2015/main" val="1"/>
+              </p:ext>
+            </p:extLst>
+          </p:nvPr>
+        </p:nvGrpSpPr>
+        <p:grpSpPr>
+          <a:xfrm>
+            <a:off x="1155481" y="498348"/>
+            <a:ext cx="9902663" cy="5861304"/>
+            <a:chOff x="1155481" y="498348"/>
+            <a:chExt cx="9902663" cy="5861304"/>
+          </a:xfrm>
+        </p:grpSpPr>
+        <p:sp>
+          <p:nvSpPr>
+            <p:cNvPr id="9" name="Oval 5">
+              <a:extLst>
+                <a:ext uri="{FF2B5EF4-FFF2-40B4-BE49-F238E27FC236}">
+                  <a16:creationId xmlns:a16="http://schemas.microsoft.com/office/drawing/2014/main" id="{985A7375-E3AF-4F5C-85AE-17E8832952CA}"/>
+                </a:ext>
+                <a:ext uri="{C183D7F6-B498-43B3-948B-1728B52AA6E4}">
+                  <adec:decorative xmlns:adec="http://schemas.microsoft.com/office/drawing/2017/decorative" val="1"/>
+                </a:ext>
+              </a:extLst>
+            </p:cNvPr>
+            <p:cNvSpPr>
+              <a:spLocks noChangeArrowheads="1"/>
+            </p:cNvSpPr>
+            <p:nvPr>
+              <p:extLst>
+                <p:ext uri="{386F3935-93C4-4BCD-93E2-E3B085C9AB24}">
+                  <p16:designElem xmlns:p16="http://schemas.microsoft.com/office/powerpoint/2015/main" val="1"/>
+                </p:ext>
+              </p:extLst>
+            </p:nvPr>
+          </p:nvSpPr>
+          <p:spPr bwMode="auto">
+            <a:xfrm>
+              <a:off x="1155481" y="498348"/>
+              <a:ext cx="5861304" cy="5861304"/>
+            </a:xfrm>
+            <a:prstGeom prst="ellipse">
+              <a:avLst/>
+            </a:prstGeom>
+            <a:solidFill>
+              <a:schemeClr val="accent1">
+                <a:alpha val="55000"/>
+              </a:schemeClr>
+            </a:solidFill>
+            <a:ln>
+              <a:noFill/>
+            </a:ln>
+          </p:spPr>
+        </p:sp>
+        <p:sp>
+          <p:nvSpPr>
+            <p:cNvPr id="10" name="Oval 9">
+              <a:extLst>
+                <a:ext uri="{FF2B5EF4-FFF2-40B4-BE49-F238E27FC236}">
+                  <a16:creationId xmlns:a16="http://schemas.microsoft.com/office/drawing/2014/main" id="{F0307F65-8304-4FA8-A841-D4D7625411BE}"/>
+                </a:ext>
+                <a:ext uri="{C183D7F6-B498-43B3-948B-1728B52AA6E4}">
+                  <adec:decorative xmlns:adec="http://schemas.microsoft.com/office/drawing/2017/decorative" val="1"/>
+                </a:ext>
+              </a:extLst>
+            </p:cNvPr>
+            <p:cNvSpPr>
+              <a:spLocks noChangeArrowheads="1"/>
+            </p:cNvSpPr>
+            <p:nvPr>
+              <p:extLst>
+                <p:ext uri="{386F3935-93C4-4BCD-93E2-E3B085C9AB24}">
+                  <p16:designElem xmlns:p16="http://schemas.microsoft.com/office/powerpoint/2015/main" val="1"/>
+                </p:ext>
+              </p:extLst>
+            </p:nvPr>
+          </p:nvSpPr>
+          <p:spPr bwMode="auto">
+            <a:xfrm>
+              <a:off x="5196840" y="498348"/>
+              <a:ext cx="5861304" cy="5861304"/>
+            </a:xfrm>
+            <a:prstGeom prst="ellipse">
+              <a:avLst/>
+            </a:prstGeom>
+            <a:solidFill>
+              <a:schemeClr val="accent1">
+                <a:alpha val="55000"/>
+              </a:schemeClr>
+            </a:solidFill>
+            <a:ln>
+              <a:noFill/>
+            </a:ln>
+          </p:spPr>
+        </p:sp>
+        <p:sp>
+          <p:nvSpPr>
+            <p:cNvPr id="11" name="Oval 5">
+              <a:extLst>
+                <a:ext uri="{FF2B5EF4-FFF2-40B4-BE49-F238E27FC236}">
+                  <a16:creationId xmlns:a16="http://schemas.microsoft.com/office/drawing/2014/main" id="{C8B8394C-136F-4E05-A002-D93A5E79CD50}"/>
+                </a:ext>
+                <a:ext uri="{C183D7F6-B498-43B3-948B-1728B52AA6E4}">
+                  <adec:decorative xmlns:adec="http://schemas.microsoft.com/office/drawing/2017/decorative" val="1"/>
+                </a:ext>
+              </a:extLst>
+            </p:cNvPr>
+            <p:cNvSpPr>
+              <a:spLocks noChangeArrowheads="1"/>
+            </p:cNvSpPr>
+            <p:nvPr>
+              <p:extLst>
+                <p:ext uri="{386F3935-93C4-4BCD-93E2-E3B085C9AB24}">
+                  <p16:designElem xmlns:p16="http://schemas.microsoft.com/office/powerpoint/2015/main" val="1"/>
+                </p:ext>
+              </p:extLst>
+            </p:nvPr>
+          </p:nvSpPr>
+          <p:spPr bwMode="auto">
+            <a:xfrm>
+              <a:off x="3165348" y="498348"/>
+              <a:ext cx="5861304" cy="5861304"/>
+            </a:xfrm>
+            <a:prstGeom prst="ellipse">
+              <a:avLst/>
+            </a:prstGeom>
+            <a:solidFill>
+              <a:schemeClr val="accent1">
+                <a:alpha val="70000"/>
+              </a:schemeClr>
+            </a:solidFill>
+            <a:ln>
+              <a:noFill/>
+            </a:ln>
+          </p:spPr>
+        </p:sp>
+      </p:grpSp>
+      <p:sp>
+        <p:nvSpPr>
+          <p:cNvPr id="3" name="Subtitle 2">
+            <a:extLst>
+              <a:ext uri="{FF2B5EF4-FFF2-40B4-BE49-F238E27FC236}">
+                <a16:creationId xmlns:a16="http://schemas.microsoft.com/office/drawing/2014/main" id="{BD147CD5-DDB4-4A07-A546-835204365323}"/>
+              </a:ext>
+            </a:extLst>
+          </p:cNvPr>
+          <p:cNvSpPr>
+            <a:spLocks noGrp="1"/>
+          </p:cNvSpPr>
+          <p:nvPr>
+            <p:ph type="subTitle" idx="1"/>
+          </p:nvPr>
+        </p:nvSpPr>
+        <p:spPr>
+          <a:xfrm>
+            <a:off x="1524000" y="4495800"/>
+            <a:ext cx="9144000" cy="762000"/>
+          </a:xfrm>
+        </p:spPr>
+        <p:txBody>
+          <a:bodyPr>
+            <a:normAutofit/>
+          </a:bodyPr>
+          <a:lstStyle/>
+          <a:p>
+            <a:r>
+              <a:rPr lang="en-US" sz="1800" dirty="0"/>
+              <a:t>By Caleb Nelson and Elliott Claus</a:t>
+            </a:r>
+          </a:p>
+        </p:txBody>
+      </p:sp>
+      <p:sp>
+        <p:nvSpPr>
+          <p:cNvPr id="13" name="Rectangle 12">
+            <a:extLst>
+              <a:ext uri="{FF2B5EF4-FFF2-40B4-BE49-F238E27FC236}">
+                <a16:creationId xmlns:a16="http://schemas.microsoft.com/office/drawing/2014/main" id="{053FB2EE-284F-4C87-AB3D-BBF87A9FAB97}"/>
+              </a:ext>
+              <a:ext uri="{C183D7F6-B498-43B3-948B-1728B52AA6E4}">
+                <adec:decorative xmlns:adec="http://schemas.microsoft.com/office/drawing/2017/decorative" val="1"/>
+              </a:ext>
+            </a:extLst>
+          </p:cNvPr>
+          <p:cNvSpPr>
+            <a:spLocks noGrp="1" noRot="1" noChangeAspect="1" noMove="1" noResize="1" noEditPoints="1" noAdjustHandles="1" noChangeArrowheads="1" noChangeShapeType="1" noTextEdit="1"/>
+          </p:cNvSpPr>
+          <p:nvPr>
+            <p:extLst>
+              <p:ext uri="{386F3935-93C4-4BCD-93E2-E3B085C9AB24}">
+                <p16:designElem xmlns:p16="http://schemas.microsoft.com/office/powerpoint/2015/main" val="1"/>
+              </p:ext>
+            </p:extLst>
+          </p:nvPr>
+        </p:nvSpPr>
+        <p:spPr>
+          <a:xfrm>
+            <a:off x="0" y="2514600"/>
+            <a:ext cx="12192000" cy="1828800"/>
+          </a:xfrm>
+          <a:prstGeom prst="rect">
+            <a:avLst/>
+          </a:prstGeom>
+          <a:solidFill>
+            <a:schemeClr val="tx2"/>
+          </a:solidFill>
+          <a:ln>
+            <a:noFill/>
+          </a:ln>
+        </p:spPr>
+        <p:style>
+          <a:lnRef idx="2">
+            <a:schemeClr val="accent1">
+              <a:shade val="50000"/>
+            </a:schemeClr>
+          </a:lnRef>
+          <a:fillRef idx="1">
+            <a:schemeClr val="accent1"/>
+          </a:fillRef>
+          <a:effectRef idx="0">
+            <a:schemeClr val="accent1"/>
+          </a:effectRef>
+          <a:fontRef idx="minor">
+            <a:schemeClr val="lt1"/>
+          </a:fontRef>
+        </p:style>
+      </p:sp>
       <p:sp>
         <p:nvSpPr>
           <p:cNvPr id="2" name="Title 1">
@@ -3343,42 +3604,25 @@
             <p:ph type="ctrTitle"/>
           </p:nvPr>
         </p:nvSpPr>
-        <p:spPr/>
-        <p:txBody>
-          <a:bodyPr/>
+        <p:spPr>
+          <a:xfrm>
+            <a:off x="1524000" y="2776538"/>
+            <a:ext cx="9144000" cy="1381188"/>
+          </a:xfrm>
+        </p:spPr>
+        <p:txBody>
+          <a:bodyPr anchor="ctr">
+            <a:normAutofit/>
+          </a:bodyPr>
           <a:lstStyle/>
           <a:p>
             <a:r>
-              <a:rPr lang="en-US" dirty="0"/>
+              <a:rPr lang="en-US" sz="4000" dirty="0">
+                <a:solidFill>
+                  <a:schemeClr val="bg2"/>
+                </a:solidFill>
+              </a:rPr>
               <a:t>Counterpoint Generator</a:t>
-            </a:r>
-          </a:p>
-        </p:txBody>
-      </p:sp>
-      <p:sp>
-        <p:nvSpPr>
-          <p:cNvPr id="3" name="Subtitle 2">
-            <a:extLst>
-              <a:ext uri="{FF2B5EF4-FFF2-40B4-BE49-F238E27FC236}">
-                <a16:creationId xmlns:a16="http://schemas.microsoft.com/office/drawing/2014/main" id="{BD147CD5-DDB4-4A07-A546-835204365323}"/>
-              </a:ext>
-            </a:extLst>
-          </p:cNvPr>
-          <p:cNvSpPr>
-            <a:spLocks noGrp="1"/>
-          </p:cNvSpPr>
-          <p:nvPr>
-            <p:ph type="subTitle" idx="1"/>
-          </p:nvPr>
-        </p:nvSpPr>
-        <p:spPr/>
-        <p:txBody>
-          <a:bodyPr/>
-          <a:lstStyle/>
-          <a:p>
-            <a:r>
-              <a:rPr lang="en-US" dirty="0"/>
-              <a:t>By Caleb Nelson and Elliott Claus</a:t>
             </a:r>
           </a:p>
         </p:txBody>
@@ -3391,426 +3635,7 @@
     </p:extLst>
   </p:cSld>
   <p:clrMapOvr>
-    <a:masterClrMapping/>
-  </p:clrMapOvr>
-  <mc:AlternateContent xmlns:mc="http://schemas.openxmlformats.org/markup-compatibility/2006">
-    <mc:Choice xmlns:p14="http://schemas.microsoft.com/office/powerpoint/2010/main" Requires="p14">
-      <p:transition spd="med" p14:dur="700">
-        <p:fade/>
-      </p:transition>
-    </mc:Choice>
-    <mc:Fallback>
-      <p:transition spd="med">
-        <p:fade/>
-      </p:transition>
-    </mc:Fallback>
-  </mc:AlternateContent>
-</p:sld>
-</file>
-
-<file path=ppt/slides/slide2.xml><?xml version="1.0" encoding="utf-8"?>
-<p:sld xmlns:a="http://schemas.openxmlformats.org/drawingml/2006/main" xmlns:r="http://schemas.openxmlformats.org/officeDocument/2006/relationships" xmlns:p="http://schemas.openxmlformats.org/presentationml/2006/main">
-  <p:cSld>
-    <p:spTree>
-      <p:nvGrpSpPr>
-        <p:cNvPr id="1" name=""/>
-        <p:cNvGrpSpPr/>
-        <p:nvPr/>
-      </p:nvGrpSpPr>
-      <p:grpSpPr>
-        <a:xfrm>
-          <a:off x="0" y="0"/>
-          <a:ext cx="0" cy="0"/>
-          <a:chOff x="0" y="0"/>
-          <a:chExt cx="0" cy="0"/>
-        </a:xfrm>
-      </p:grpSpPr>
-      <p:sp>
-        <p:nvSpPr>
-          <p:cNvPr id="2" name="Title 1">
-            <a:extLst>
-              <a:ext uri="{FF2B5EF4-FFF2-40B4-BE49-F238E27FC236}">
-                <a16:creationId xmlns:a16="http://schemas.microsoft.com/office/drawing/2014/main" id="{5F7E50F4-8744-45BC-B671-CC576E39B3B1}"/>
-              </a:ext>
-            </a:extLst>
-          </p:cNvPr>
-          <p:cNvSpPr>
-            <a:spLocks noGrp="1"/>
-          </p:cNvSpPr>
-          <p:nvPr>
-            <p:ph type="title"/>
-          </p:nvPr>
-        </p:nvSpPr>
-        <p:spPr/>
-        <p:txBody>
-          <a:bodyPr/>
-          <a:lstStyle/>
-          <a:p>
-            <a:r>
-              <a:rPr lang="en-US" dirty="0"/>
-              <a:t>Problem Definition</a:t>
-            </a:r>
-          </a:p>
-        </p:txBody>
-      </p:sp>
-      <p:pic>
-        <p:nvPicPr>
-          <p:cNvPr id="4" name="Picture 3">
-            <a:extLst>
-              <a:ext uri="{FF2B5EF4-FFF2-40B4-BE49-F238E27FC236}">
-                <a16:creationId xmlns:a16="http://schemas.microsoft.com/office/drawing/2014/main" id="{220B83E9-DEB0-422B-81B0-5B9883A623DD}"/>
-              </a:ext>
-            </a:extLst>
-          </p:cNvPr>
-          <p:cNvPicPr>
-            <a:picLocks noChangeAspect="1"/>
-          </p:cNvPicPr>
-          <p:nvPr/>
-        </p:nvPicPr>
-        <p:blipFill rotWithShape="1">
-          <a:blip r:embed="rId2"/>
-          <a:srcRect t="4707"/>
-          <a:stretch/>
-        </p:blipFill>
-        <p:spPr>
-          <a:xfrm>
-            <a:off x="0" y="1604039"/>
-            <a:ext cx="12192000" cy="2058992"/>
-          </a:xfrm>
-          <a:prstGeom prst="rect">
-            <a:avLst/>
-          </a:prstGeom>
-        </p:spPr>
-      </p:pic>
-      <p:pic>
-        <p:nvPicPr>
-          <p:cNvPr id="5" name="Picture 4">
-            <a:extLst>
-              <a:ext uri="{FF2B5EF4-FFF2-40B4-BE49-F238E27FC236}">
-                <a16:creationId xmlns:a16="http://schemas.microsoft.com/office/drawing/2014/main" id="{D34BEB96-8F9A-490D-AFD3-B542372087D8}"/>
-              </a:ext>
-            </a:extLst>
-          </p:cNvPr>
-          <p:cNvPicPr>
-            <a:picLocks noChangeAspect="1"/>
-          </p:cNvPicPr>
-          <p:nvPr/>
-        </p:nvPicPr>
-        <p:blipFill>
-          <a:blip r:embed="rId3"/>
-          <a:stretch>
-            <a:fillRect/>
-          </a:stretch>
-        </p:blipFill>
-        <p:spPr>
-          <a:xfrm>
-            <a:off x="0" y="3780712"/>
-            <a:ext cx="12192000" cy="2712163"/>
-          </a:xfrm>
-          <a:prstGeom prst="rect">
-            <a:avLst/>
-          </a:prstGeom>
-        </p:spPr>
-      </p:pic>
-    </p:spTree>
-    <p:extLst>
-      <p:ext uri="{BB962C8B-B14F-4D97-AF65-F5344CB8AC3E}">
-        <p14:creationId xmlns:p14="http://schemas.microsoft.com/office/powerpoint/2010/main" val="344230544"/>
-      </p:ext>
-    </p:extLst>
-  </p:cSld>
-  <p:clrMapOvr>
-    <a:masterClrMapping/>
-  </p:clrMapOvr>
-  <mc:AlternateContent xmlns:mc="http://schemas.openxmlformats.org/markup-compatibility/2006">
-    <mc:Choice xmlns:p14="http://schemas.microsoft.com/office/powerpoint/2010/main" Requires="p14">
-      <p:transition spd="med" p14:dur="700">
-        <p:fade/>
-      </p:transition>
-    </mc:Choice>
-    <mc:Fallback>
-      <p:transition spd="med">
-        <p:fade/>
-      </p:transition>
-    </mc:Fallback>
-  </mc:AlternateContent>
-  <p:timing>
-    <p:tnLst>
-      <p:par>
-        <p:cTn id="1" dur="indefinite" restart="never" nodeType="tmRoot">
-          <p:childTnLst>
-            <p:seq concurrent="1" nextAc="seek">
-              <p:cTn id="2" dur="indefinite" nodeType="mainSeq">
-                <p:childTnLst>
-                  <p:par>
-                    <p:cTn id="3" fill="hold">
-                      <p:stCondLst>
-                        <p:cond delay="indefinite"/>
-                      </p:stCondLst>
-                      <p:childTnLst>
-                        <p:par>
-                          <p:cTn id="4" fill="hold">
-                            <p:stCondLst>
-                              <p:cond delay="0"/>
-                            </p:stCondLst>
-                            <p:childTnLst>
-                              <p:par>
-                                <p:cTn id="5" presetID="10" presetClass="entr" presetSubtype="0" fill="hold" nodeType="clickEffect">
-                                  <p:stCondLst>
-                                    <p:cond delay="0"/>
-                                  </p:stCondLst>
-                                  <p:childTnLst>
-                                    <p:set>
-                                      <p:cBhvr>
-                                        <p:cTn id="6" dur="1" fill="hold">
-                                          <p:stCondLst>
-                                            <p:cond delay="0"/>
-                                          </p:stCondLst>
-                                        </p:cTn>
-                                        <p:tgtEl>
-                                          <p:spTgt spid="4"/>
-                                        </p:tgtEl>
-                                        <p:attrNameLst>
-                                          <p:attrName>style.visibility</p:attrName>
-                                        </p:attrNameLst>
-                                      </p:cBhvr>
-                                      <p:to>
-                                        <p:strVal val="visible"/>
-                                      </p:to>
-                                    </p:set>
-                                    <p:animEffect transition="in" filter="fade">
-                                      <p:cBhvr>
-                                        <p:cTn id="7" dur="500"/>
-                                        <p:tgtEl>
-                                          <p:spTgt spid="4"/>
-                                        </p:tgtEl>
-                                      </p:cBhvr>
-                                    </p:animEffect>
-                                  </p:childTnLst>
-                                </p:cTn>
-                              </p:par>
-                            </p:childTnLst>
-                          </p:cTn>
-                        </p:par>
-                      </p:childTnLst>
-                    </p:cTn>
-                  </p:par>
-                  <p:par>
-                    <p:cTn id="8" fill="hold">
-                      <p:stCondLst>
-                        <p:cond delay="indefinite"/>
-                      </p:stCondLst>
-                      <p:childTnLst>
-                        <p:par>
-                          <p:cTn id="9" fill="hold">
-                            <p:stCondLst>
-                              <p:cond delay="0"/>
-                            </p:stCondLst>
-                            <p:childTnLst>
-                              <p:par>
-                                <p:cTn id="10" presetID="10" presetClass="entr" presetSubtype="0" fill="hold" nodeType="clickEffect">
-                                  <p:stCondLst>
-                                    <p:cond delay="0"/>
-                                  </p:stCondLst>
-                                  <p:childTnLst>
-                                    <p:set>
-                                      <p:cBhvr>
-                                        <p:cTn id="11" dur="1" fill="hold">
-                                          <p:stCondLst>
-                                            <p:cond delay="0"/>
-                                          </p:stCondLst>
-                                        </p:cTn>
-                                        <p:tgtEl>
-                                          <p:spTgt spid="5"/>
-                                        </p:tgtEl>
-                                        <p:attrNameLst>
-                                          <p:attrName>style.visibility</p:attrName>
-                                        </p:attrNameLst>
-                                      </p:cBhvr>
-                                      <p:to>
-                                        <p:strVal val="visible"/>
-                                      </p:to>
-                                    </p:set>
-                                    <p:animEffect transition="in" filter="fade">
-                                      <p:cBhvr>
-                                        <p:cTn id="12" dur="500"/>
-                                        <p:tgtEl>
-                                          <p:spTgt spid="5"/>
-                                        </p:tgtEl>
-                                      </p:cBhvr>
-                                    </p:animEffect>
-                                  </p:childTnLst>
-                                </p:cTn>
-                              </p:par>
-                            </p:childTnLst>
-                          </p:cTn>
-                        </p:par>
-                      </p:childTnLst>
-                    </p:cTn>
-                  </p:par>
-                </p:childTnLst>
-              </p:cTn>
-              <p:prevCondLst>
-                <p:cond evt="onPrev" delay="0">
-                  <p:tgtEl>
-                    <p:sldTgt/>
-                  </p:tgtEl>
-                </p:cond>
-              </p:prevCondLst>
-              <p:nextCondLst>
-                <p:cond evt="onNext" delay="0">
-                  <p:tgtEl>
-                    <p:sldTgt/>
-                  </p:tgtEl>
-                </p:cond>
-              </p:nextCondLst>
-            </p:seq>
-          </p:childTnLst>
-        </p:cTn>
-      </p:par>
-    </p:tnLst>
-  </p:timing>
-</p:sld>
-</file>
-
-<file path=ppt/slides/slide3.xml><?xml version="1.0" encoding="utf-8"?>
-<p:sld xmlns:a="http://schemas.openxmlformats.org/drawingml/2006/main" xmlns:r="http://schemas.openxmlformats.org/officeDocument/2006/relationships" xmlns:p="http://schemas.openxmlformats.org/presentationml/2006/main">
-  <p:cSld>
-    <p:spTree>
-      <p:nvGrpSpPr>
-        <p:cNvPr id="1" name=""/>
-        <p:cNvGrpSpPr/>
-        <p:nvPr/>
-      </p:nvGrpSpPr>
-      <p:grpSpPr>
-        <a:xfrm>
-          <a:off x="0" y="0"/>
-          <a:ext cx="0" cy="0"/>
-          <a:chOff x="0" y="0"/>
-          <a:chExt cx="0" cy="0"/>
-        </a:xfrm>
-      </p:grpSpPr>
-      <p:sp>
-        <p:nvSpPr>
-          <p:cNvPr id="2" name="Title 1">
-            <a:extLst>
-              <a:ext uri="{FF2B5EF4-FFF2-40B4-BE49-F238E27FC236}">
-                <a16:creationId xmlns:a16="http://schemas.microsoft.com/office/drawing/2014/main" id="{3F9E6FD0-C482-471E-90E7-C98BF949429A}"/>
-              </a:ext>
-            </a:extLst>
-          </p:cNvPr>
-          <p:cNvSpPr>
-            <a:spLocks noGrp="1"/>
-          </p:cNvSpPr>
-          <p:nvPr>
-            <p:ph type="title"/>
-          </p:nvPr>
-        </p:nvSpPr>
-        <p:spPr/>
-        <p:txBody>
-          <a:bodyPr/>
-          <a:lstStyle/>
-          <a:p>
-            <a:r>
-              <a:rPr lang="en-US" dirty="0"/>
-              <a:t>Requirements and Challenges</a:t>
-            </a:r>
-          </a:p>
-        </p:txBody>
-      </p:sp>
-      <p:sp>
-        <p:nvSpPr>
-          <p:cNvPr id="3" name="Content Placeholder 2">
-            <a:extLst>
-              <a:ext uri="{FF2B5EF4-FFF2-40B4-BE49-F238E27FC236}">
-                <a16:creationId xmlns:a16="http://schemas.microsoft.com/office/drawing/2014/main" id="{D7FE010A-BB2E-49B2-963F-3880C64E3DF3}"/>
-              </a:ext>
-            </a:extLst>
-          </p:cNvPr>
-          <p:cNvSpPr>
-            <a:spLocks noGrp="1"/>
-          </p:cNvSpPr>
-          <p:nvPr>
-            <p:ph idx="1"/>
-          </p:nvPr>
-        </p:nvSpPr>
-        <p:spPr/>
-        <p:txBody>
-          <a:bodyPr/>
-          <a:lstStyle/>
-          <a:p>
-            <a:r>
-              <a:rPr lang="en-US" dirty="0"/>
-              <a:t>Writing music</a:t>
-            </a:r>
-          </a:p>
-          <a:p>
-            <a:pPr lvl="1"/>
-            <a:r>
-              <a:rPr lang="en-US" dirty="0"/>
-              <a:t>Saving notes</a:t>
-            </a:r>
-          </a:p>
-          <a:p>
-            <a:pPr lvl="1"/>
-            <a:r>
-              <a:rPr lang="en-US" dirty="0"/>
-              <a:t>Using logic to check for errors</a:t>
-            </a:r>
-          </a:p>
-          <a:p>
-            <a:pPr lvl="1"/>
-            <a:r>
-              <a:rPr lang="en-US" dirty="0"/>
-              <a:t>Deciding which part of the program does what</a:t>
-            </a:r>
-          </a:p>
-          <a:p>
-            <a:r>
-              <a:rPr lang="en-US" dirty="0"/>
-              <a:t>Saving music</a:t>
-            </a:r>
-          </a:p>
-          <a:p>
-            <a:pPr lvl="1"/>
-            <a:r>
-              <a:rPr lang="en-US" dirty="0" err="1"/>
-              <a:t>LilyPond</a:t>
-            </a:r>
-            <a:r>
-              <a:rPr lang="en-US" dirty="0"/>
-              <a:t> integration </a:t>
-            </a:r>
-          </a:p>
-          <a:p>
-            <a:pPr lvl="1"/>
-            <a:r>
-              <a:rPr lang="en-US" dirty="0"/>
-              <a:t>Outputting different lengths</a:t>
-            </a:r>
-          </a:p>
-          <a:p>
-            <a:pPr lvl="1"/>
-            <a:r>
-              <a:rPr lang="en-US" dirty="0"/>
-              <a:t>Outputting different keys</a:t>
-            </a:r>
-          </a:p>
-          <a:p>
-            <a:pPr lvl="1"/>
-            <a:endParaRPr lang="en-US" dirty="0"/>
-          </a:p>
-        </p:txBody>
-      </p:sp>
-    </p:spTree>
-    <p:extLst>
-      <p:ext uri="{BB962C8B-B14F-4D97-AF65-F5344CB8AC3E}">
-        <p14:creationId xmlns:p14="http://schemas.microsoft.com/office/powerpoint/2010/main" val="3855743127"/>
-      </p:ext>
-    </p:extLst>
-  </p:cSld>
-  <p:clrMapOvr>
-    <a:masterClrMapping/>
+    <a:overrideClrMapping bg1="dk1" tx1="lt1" bg2="dk2" tx2="lt2" accent1="accent1" accent2="accent2" accent3="accent3" accent4="accent4" accent5="accent5" accent6="accent6" hlink="hlink" folHlink="folHlink"/>
   </p:clrMapOvr>
   <mc:AlternateContent xmlns:mc="http://schemas.openxmlformats.org/markup-compatibility/2006">
     <mc:Choice xmlns:p14="http://schemas.microsoft.com/office/powerpoint/2010/main" Requires="p14">
@@ -3858,11 +3683,7 @@
                                           </p:stCondLst>
                                         </p:cTn>
                                         <p:tgtEl>
-                                          <p:spTgt spid="3">
-                                            <p:txEl>
-                                              <p:pRg st="0" end="0"/>
-                                            </p:txEl>
-                                          </p:spTgt>
+                                          <p:spTgt spid="2"/>
                                         </p:tgtEl>
                                         <p:attrNameLst>
                                           <p:attrName>style.visibility</p:attrName>
@@ -3876,11 +3697,7 @@
                                       <p:cBhvr>
                                         <p:cTn id="7" dur="500"/>
                                         <p:tgtEl>
-                                          <p:spTgt spid="3">
-                                            <p:txEl>
-                                              <p:pRg st="0" end="0"/>
-                                            </p:txEl>
-                                          </p:spTgt>
+                                          <p:spTgt spid="2"/>
                                         </p:tgtEl>
                                       </p:cBhvr>
                                     </p:animEffect>
@@ -3903,7 +3720,7 @@
                                         <p:tgtEl>
                                           <p:spTgt spid="3">
                                             <p:txEl>
-                                              <p:pRg st="1" end="1"/>
+                                              <p:pRg st="0" end="0"/>
                                             </p:txEl>
                                           </p:spTgt>
                                         </p:tgtEl>
@@ -3921,283 +3738,7 @@
                                         <p:tgtEl>
                                           <p:spTgt spid="3">
                                             <p:txEl>
-                                              <p:pRg st="1" end="1"/>
-                                            </p:txEl>
-                                          </p:spTgt>
-                                        </p:tgtEl>
-                                      </p:cBhvr>
-                                    </p:animEffect>
-                                  </p:childTnLst>
-                                </p:cTn>
-                              </p:par>
-                              <p:par>
-                                <p:cTn id="11" presetID="10" presetClass="entr" presetSubtype="0" fill="hold" grpId="0" nodeType="withEffect">
-                                  <p:stCondLst>
-                                    <p:cond delay="0"/>
-                                  </p:stCondLst>
-                                  <p:childTnLst>
-                                    <p:set>
-                                      <p:cBhvr>
-                                        <p:cTn id="12" dur="1" fill="hold">
-                                          <p:stCondLst>
-                                            <p:cond delay="0"/>
-                                          </p:stCondLst>
-                                        </p:cTn>
-                                        <p:tgtEl>
-                                          <p:spTgt spid="3">
-                                            <p:txEl>
-                                              <p:pRg st="2" end="2"/>
-                                            </p:txEl>
-                                          </p:spTgt>
-                                        </p:tgtEl>
-                                        <p:attrNameLst>
-                                          <p:attrName>style.visibility</p:attrName>
-                                        </p:attrNameLst>
-                                      </p:cBhvr>
-                                      <p:to>
-                                        <p:strVal val="visible"/>
-                                      </p:to>
-                                    </p:set>
-                                    <p:animEffect transition="in" filter="fade">
-                                      <p:cBhvr>
-                                        <p:cTn id="13" dur="500"/>
-                                        <p:tgtEl>
-                                          <p:spTgt spid="3">
-                                            <p:txEl>
-                                              <p:pRg st="2" end="2"/>
-                                            </p:txEl>
-                                          </p:spTgt>
-                                        </p:tgtEl>
-                                      </p:cBhvr>
-                                    </p:animEffect>
-                                  </p:childTnLst>
-                                </p:cTn>
-                              </p:par>
-                              <p:par>
-                                <p:cTn id="14" presetID="10" presetClass="entr" presetSubtype="0" fill="hold" grpId="0" nodeType="withEffect">
-                                  <p:stCondLst>
-                                    <p:cond delay="0"/>
-                                  </p:stCondLst>
-                                  <p:childTnLst>
-                                    <p:set>
-                                      <p:cBhvr>
-                                        <p:cTn id="15" dur="1" fill="hold">
-                                          <p:stCondLst>
-                                            <p:cond delay="0"/>
-                                          </p:stCondLst>
-                                        </p:cTn>
-                                        <p:tgtEl>
-                                          <p:spTgt spid="3">
-                                            <p:txEl>
-                                              <p:pRg st="3" end="3"/>
-                                            </p:txEl>
-                                          </p:spTgt>
-                                        </p:tgtEl>
-                                        <p:attrNameLst>
-                                          <p:attrName>style.visibility</p:attrName>
-                                        </p:attrNameLst>
-                                      </p:cBhvr>
-                                      <p:to>
-                                        <p:strVal val="visible"/>
-                                      </p:to>
-                                    </p:set>
-                                    <p:animEffect transition="in" filter="fade">
-                                      <p:cBhvr>
-                                        <p:cTn id="16" dur="500"/>
-                                        <p:tgtEl>
-                                          <p:spTgt spid="3">
-                                            <p:txEl>
-                                              <p:pRg st="3" end="3"/>
-                                            </p:txEl>
-                                          </p:spTgt>
-                                        </p:tgtEl>
-                                      </p:cBhvr>
-                                    </p:animEffect>
-                                  </p:childTnLst>
-                                </p:cTn>
-                              </p:par>
-                            </p:childTnLst>
-                          </p:cTn>
-                        </p:par>
-                      </p:childTnLst>
-                    </p:cTn>
-                  </p:par>
-                  <p:par>
-                    <p:cTn id="17" fill="hold">
-                      <p:stCondLst>
-                        <p:cond delay="indefinite"/>
-                      </p:stCondLst>
-                      <p:childTnLst>
-                        <p:par>
-                          <p:cTn id="18" fill="hold">
-                            <p:stCondLst>
-                              <p:cond delay="0"/>
-                            </p:stCondLst>
-                            <p:childTnLst>
-                              <p:par>
-                                <p:cTn id="19" presetID="10" presetClass="entr" presetSubtype="0" fill="hold" grpId="0" nodeType="clickEffect">
-                                  <p:stCondLst>
-                                    <p:cond delay="0"/>
-                                  </p:stCondLst>
-                                  <p:childTnLst>
-                                    <p:set>
-                                      <p:cBhvr>
-                                        <p:cTn id="20" dur="1" fill="hold">
-                                          <p:stCondLst>
-                                            <p:cond delay="0"/>
-                                          </p:stCondLst>
-                                        </p:cTn>
-                                        <p:tgtEl>
-                                          <p:spTgt spid="3">
-                                            <p:txEl>
-                                              <p:pRg st="4" end="4"/>
-                                            </p:txEl>
-                                          </p:spTgt>
-                                        </p:tgtEl>
-                                        <p:attrNameLst>
-                                          <p:attrName>style.visibility</p:attrName>
-                                        </p:attrNameLst>
-                                      </p:cBhvr>
-                                      <p:to>
-                                        <p:strVal val="visible"/>
-                                      </p:to>
-                                    </p:set>
-                                    <p:animEffect transition="in" filter="fade">
-                                      <p:cBhvr>
-                                        <p:cTn id="21" dur="500"/>
-                                        <p:tgtEl>
-                                          <p:spTgt spid="3">
-                                            <p:txEl>
-                                              <p:pRg st="4" end="4"/>
-                                            </p:txEl>
-                                          </p:spTgt>
-                                        </p:tgtEl>
-                                      </p:cBhvr>
-                                    </p:animEffect>
-                                  </p:childTnLst>
-                                </p:cTn>
-                              </p:par>
-                              <p:par>
-                                <p:cTn id="22" presetID="10" presetClass="entr" presetSubtype="0" fill="hold" grpId="0" nodeType="withEffect">
-                                  <p:stCondLst>
-                                    <p:cond delay="0"/>
-                                  </p:stCondLst>
-                                  <p:childTnLst>
-                                    <p:set>
-                                      <p:cBhvr>
-                                        <p:cTn id="23" dur="1" fill="hold">
-                                          <p:stCondLst>
-                                            <p:cond delay="0"/>
-                                          </p:stCondLst>
-                                        </p:cTn>
-                                        <p:tgtEl>
-                                          <p:spTgt spid="3">
-                                            <p:txEl>
-                                              <p:pRg st="5" end="5"/>
-                                            </p:txEl>
-                                          </p:spTgt>
-                                        </p:tgtEl>
-                                        <p:attrNameLst>
-                                          <p:attrName>style.visibility</p:attrName>
-                                        </p:attrNameLst>
-                                      </p:cBhvr>
-                                      <p:to>
-                                        <p:strVal val="visible"/>
-                                      </p:to>
-                                    </p:set>
-                                    <p:animEffect transition="in" filter="fade">
-                                      <p:cBhvr>
-                                        <p:cTn id="24" dur="500"/>
-                                        <p:tgtEl>
-                                          <p:spTgt spid="3">
-                                            <p:txEl>
-                                              <p:pRg st="5" end="5"/>
-                                            </p:txEl>
-                                          </p:spTgt>
-                                        </p:tgtEl>
-                                      </p:cBhvr>
-                                    </p:animEffect>
-                                  </p:childTnLst>
-                                </p:cTn>
-                              </p:par>
-                              <p:par>
-                                <p:cTn id="25" presetID="10" presetClass="entr" presetSubtype="0" fill="hold" grpId="0" nodeType="withEffect">
-                                  <p:stCondLst>
-                                    <p:cond delay="0"/>
-                                  </p:stCondLst>
-                                  <p:childTnLst>
-                                    <p:set>
-                                      <p:cBhvr>
-                                        <p:cTn id="26" dur="1" fill="hold">
-                                          <p:stCondLst>
-                                            <p:cond delay="0"/>
-                                          </p:stCondLst>
-                                        </p:cTn>
-                                        <p:tgtEl>
-                                          <p:spTgt spid="3">
-                                            <p:txEl>
-                                              <p:pRg st="6" end="6"/>
-                                            </p:txEl>
-                                          </p:spTgt>
-                                        </p:tgtEl>
-                                        <p:attrNameLst>
-                                          <p:attrName>style.visibility</p:attrName>
-                                        </p:attrNameLst>
-                                      </p:cBhvr>
-                                      <p:to>
-                                        <p:strVal val="visible"/>
-                                      </p:to>
-                                    </p:set>
-                                    <p:animEffect transition="in" filter="fade">
-                                      <p:cBhvr>
-                                        <p:cTn id="27" dur="500"/>
-                                        <p:tgtEl>
-                                          <p:spTgt spid="3">
-                                            <p:txEl>
-                                              <p:pRg st="6" end="6"/>
-                                            </p:txEl>
-                                          </p:spTgt>
-                                        </p:tgtEl>
-                                      </p:cBhvr>
-                                    </p:animEffect>
-                                  </p:childTnLst>
-                                </p:cTn>
-                              </p:par>
-                              <p:par>
-                                <p:cTn id="28" presetID="10" presetClass="entr" presetSubtype="0" fill="hold" grpId="0" nodeType="withEffect">
-                                  <p:stCondLst>
-                                    <p:cond delay="0"/>
-                                  </p:stCondLst>
-                                  <p:childTnLst>
-                                    <p:set>
-                                      <p:cBhvr>
-                                        <p:cTn id="29" dur="1" fill="hold">
-                                          <p:stCondLst>
-                                            <p:cond delay="0"/>
-                                          </p:stCondLst>
-                                        </p:cTn>
-                                        <p:tgtEl>
-                                          <p:spTgt spid="3">
-                                            <p:txEl>
-                                              <p:pRg st="7" end="7"/>
-                                            </p:txEl>
-                                          </p:spTgt>
-                                        </p:tgtEl>
-                                        <p:attrNameLst>
-                                          <p:attrName>style.visibility</p:attrName>
-                                        </p:attrNameLst>
-                                      </p:cBhvr>
-                                      <p:to>
-                                        <p:strVal val="visible"/>
-                                      </p:to>
-                                    </p:set>
-                                    <p:animEffect transition="in" filter="fade">
-                                      <p:cBhvr>
-                                        <p:cTn id="30" dur="500"/>
-                                        <p:tgtEl>
-                                          <p:spTgt spid="3">
-                                            <p:txEl>
-                                              <p:pRg st="7" end="7"/>
+                                              <p:pRg st="0" end="0"/>
                                             </p:txEl>
                                           </p:spTgt>
                                         </p:tgtEl>
@@ -4235,14 +3776,23 @@
     </p:tnLst>
     <p:bldLst>
       <p:bldP spid="3" grpId="0" build="p"/>
+      <p:bldP spid="2" grpId="0"/>
     </p:bldLst>
   </p:timing>
 </p:sld>
 </file>
 
-<file path=ppt/slides/slide4.xml><?xml version="1.0" encoding="utf-8"?>
+<file path=ppt/slides/slide2.xml><?xml version="1.0" encoding="utf-8"?>
 <p:sld xmlns:a="http://schemas.openxmlformats.org/drawingml/2006/main" xmlns:r="http://schemas.openxmlformats.org/officeDocument/2006/relationships" xmlns:p="http://schemas.openxmlformats.org/presentationml/2006/main">
   <p:cSld>
+    <p:bg>
+      <p:bgPr>
+        <a:solidFill>
+          <a:schemeClr val="bg1"/>
+        </a:solidFill>
+        <a:effectLst/>
+      </p:bgPr>
+    </p:bg>
     <p:spTree>
       <p:nvGrpSpPr>
         <p:cNvPr id="1" name=""/>
@@ -4259,10 +3809,75 @@
       </p:grpSpPr>
       <p:sp>
         <p:nvSpPr>
-          <p:cNvPr id="3" name="Content Placeholder 2">
-            <a:extLst>
-              <a:ext uri="{FF2B5EF4-FFF2-40B4-BE49-F238E27FC236}">
-                <a16:creationId xmlns:a16="http://schemas.microsoft.com/office/drawing/2014/main" id="{72716A09-A86B-4903-902A-4C235D36E451}"/>
+          <p:cNvPr id="10" name="Rectangle 9">
+            <a:extLst>
+              <a:ext uri="{FF2B5EF4-FFF2-40B4-BE49-F238E27FC236}">
+                <a16:creationId xmlns:a16="http://schemas.microsoft.com/office/drawing/2014/main" id="{823AC064-BC96-4F32-8AE1-B2FD38754823}"/>
+              </a:ext>
+              <a:ext uri="{C183D7F6-B498-43B3-948B-1728B52AA6E4}">
+                <adec:decorative xmlns:adec="http://schemas.microsoft.com/office/drawing/2017/decorative" val="1"/>
+              </a:ext>
+            </a:extLst>
+          </p:cNvPr>
+          <p:cNvSpPr>
+            <a:spLocks noGrp="1" noRot="1" noChangeAspect="1" noMove="1" noResize="1" noEditPoints="1" noAdjustHandles="1" noChangeArrowheads="1" noChangeShapeType="1" noTextEdit="1"/>
+          </p:cNvSpPr>
+          <p:nvPr>
+            <p:extLst>
+              <p:ext uri="{386F3935-93C4-4BCD-93E2-E3B085C9AB24}">
+                <p16:designElem xmlns:p16="http://schemas.microsoft.com/office/powerpoint/2015/main" val="1"/>
+              </p:ext>
+            </p:extLst>
+          </p:nvPr>
+        </p:nvSpPr>
+        <p:spPr bwMode="ltGray">
+          <a:xfrm>
+            <a:off x="396882" y="280374"/>
+            <a:ext cx="11438793" cy="1844256"/>
+          </a:xfrm>
+          <a:prstGeom prst="rect">
+            <a:avLst/>
+          </a:prstGeom>
+          <a:solidFill>
+            <a:srgbClr val="404040"/>
+          </a:solidFill>
+          <a:ln w="127000" cap="sq" cmpd="thinThick">
+            <a:solidFill>
+              <a:srgbClr val="404040"/>
+            </a:solidFill>
+          </a:ln>
+        </p:spPr>
+        <p:style>
+          <a:lnRef idx="2">
+            <a:schemeClr val="accent1">
+              <a:shade val="50000"/>
+            </a:schemeClr>
+          </a:lnRef>
+          <a:fillRef idx="1">
+            <a:schemeClr val="accent1"/>
+          </a:fillRef>
+          <a:effectRef idx="0">
+            <a:schemeClr val="accent1"/>
+          </a:effectRef>
+          <a:fontRef idx="minor">
+            <a:schemeClr val="lt1"/>
+          </a:fontRef>
+        </p:style>
+        <p:txBody>
+          <a:bodyPr rtlCol="0" anchor="ctr"/>
+          <a:lstStyle/>
+          <a:p>
+            <a:pPr algn="ctr"/>
+            <a:endParaRPr lang="en-US"/>
+          </a:p>
+        </p:txBody>
+      </p:sp>
+      <p:sp>
+        <p:nvSpPr>
+          <p:cNvPr id="2" name="Title 1">
+            <a:extLst>
+              <a:ext uri="{FF2B5EF4-FFF2-40B4-BE49-F238E27FC236}">
+                <a16:creationId xmlns:a16="http://schemas.microsoft.com/office/drawing/2014/main" id="{5F7E50F4-8744-45BC-B671-CC576E39B3B1}"/>
               </a:ext>
             </a:extLst>
           </p:cNvPr>
@@ -4270,14 +3885,187 @@
             <a:spLocks noGrp="1"/>
           </p:cNvSpPr>
           <p:nvPr>
-            <p:ph idx="1"/>
-          </p:nvPr>
-        </p:nvSpPr>
-        <p:spPr/>
-        <p:txBody>
-          <a:bodyPr/>
+            <p:ph type="title"/>
+          </p:nvPr>
+        </p:nvSpPr>
+        <p:spPr>
+          <a:xfrm>
+            <a:off x="546351" y="433545"/>
+            <a:ext cx="11139854" cy="930447"/>
+          </a:xfrm>
+        </p:spPr>
+        <p:txBody>
+          <a:bodyPr vert="horz" lIns="91440" tIns="45720" rIns="91440" bIns="45720" rtlCol="0" anchor="b">
+            <a:normAutofit/>
+          </a:bodyPr>
           <a:lstStyle/>
           <a:p>
+            <a:pPr algn="ctr"/>
+            <a:r>
+              <a:rPr lang="en-US" sz="5400">
+                <a:solidFill>
+                  <a:srgbClr val="FFFFFF"/>
+                </a:solidFill>
+              </a:rPr>
+              <a:t>Problem Definition</a:t>
+            </a:r>
+          </a:p>
+        </p:txBody>
+      </p:sp>
+      <p:cxnSp>
+        <p:nvCxnSpPr>
+          <p:cNvPr id="12" name="Straight Connector 11">
+            <a:extLst>
+              <a:ext uri="{FF2B5EF4-FFF2-40B4-BE49-F238E27FC236}">
+                <a16:creationId xmlns:a16="http://schemas.microsoft.com/office/drawing/2014/main" id="{7E7C77BC-7138-40B1-A15B-20F57A494629}"/>
+              </a:ext>
+              <a:ext uri="{C183D7F6-B498-43B3-948B-1728B52AA6E4}">
+                <adec:decorative xmlns:adec="http://schemas.microsoft.com/office/drawing/2017/decorative" val="1"/>
+              </a:ext>
+            </a:extLst>
+          </p:cNvPr>
+          <p:cNvCxnSpPr>
+            <a:cxnSpLocks noGrp="1" noRot="1" noChangeAspect="1" noMove="1" noResize="1" noEditPoints="1" noAdjustHandles="1" noChangeArrowheads="1" noChangeShapeType="1"/>
+          </p:cNvCxnSpPr>
+          <p:nvPr>
+            <p:extLst>
+              <p:ext uri="{386F3935-93C4-4BCD-93E2-E3B085C9AB24}">
+                <p16:designElem xmlns:p16="http://schemas.microsoft.com/office/powerpoint/2015/main" val="1"/>
+              </p:ext>
+            </p:extLst>
+          </p:nvPr>
+        </p:nvCxnSpPr>
+        <p:spPr>
+          <a:xfrm>
+            <a:off x="2230078" y="1522292"/>
+            <a:ext cx="7772400" cy="0"/>
+          </a:xfrm>
+          <a:prstGeom prst="line">
+            <a:avLst/>
+          </a:prstGeom>
+          <a:ln w="22225">
+            <a:solidFill>
+              <a:srgbClr val="D9D9D9"/>
+            </a:solidFill>
+          </a:ln>
+        </p:spPr>
+        <p:style>
+          <a:lnRef idx="1">
+            <a:schemeClr val="accent1"/>
+          </a:lnRef>
+          <a:fillRef idx="0">
+            <a:schemeClr val="accent1"/>
+          </a:fillRef>
+          <a:effectRef idx="0">
+            <a:schemeClr val="accent1"/>
+          </a:effectRef>
+          <a:fontRef idx="minor">
+            <a:schemeClr val="tx1"/>
+          </a:fontRef>
+        </p:style>
+      </p:cxnSp>
+      <p:cxnSp>
+        <p:nvCxnSpPr>
+          <p:cNvPr id="14" name="Straight Connector 13">
+            <a:extLst>
+              <a:ext uri="{FF2B5EF4-FFF2-40B4-BE49-F238E27FC236}">
+                <a16:creationId xmlns:a16="http://schemas.microsoft.com/office/drawing/2014/main" id="{DB146403-F3D6-484B-B2ED-97F9565D0370}"/>
+              </a:ext>
+              <a:ext uri="{C183D7F6-B498-43B3-948B-1728B52AA6E4}">
+                <adec:decorative xmlns:adec="http://schemas.microsoft.com/office/drawing/2017/decorative" val="1"/>
+              </a:ext>
+            </a:extLst>
+          </p:cNvPr>
+          <p:cNvCxnSpPr>
+            <a:cxnSpLocks noGrp="1" noRot="1" noChangeAspect="1" noMove="1" noResize="1" noEditPoints="1" noAdjustHandles="1" noChangeArrowheads="1" noChangeShapeType="1"/>
+          </p:cNvCxnSpPr>
+          <p:nvPr>
+            <p:extLst>
+              <p:ext uri="{386F3935-93C4-4BCD-93E2-E3B085C9AB24}">
+                <p16:designElem xmlns:p16="http://schemas.microsoft.com/office/powerpoint/2015/main" val="1"/>
+              </p:ext>
+            </p:extLst>
+          </p:nvPr>
+        </p:nvCxnSpPr>
+        <p:spPr>
+          <a:xfrm>
+            <a:off x="6116278" y="2596836"/>
+            <a:ext cx="0" cy="3657600"/>
+          </a:xfrm>
+          <a:prstGeom prst="line">
+            <a:avLst/>
+          </a:prstGeom>
+          <a:ln w="101600" cmpd="dbl">
+            <a:solidFill>
+              <a:srgbClr val="595959"/>
+            </a:solidFill>
+          </a:ln>
+        </p:spPr>
+        <p:style>
+          <a:lnRef idx="1">
+            <a:schemeClr val="accent1"/>
+          </a:lnRef>
+          <a:fillRef idx="0">
+            <a:schemeClr val="accent1"/>
+          </a:fillRef>
+          <a:effectRef idx="0">
+            <a:schemeClr val="accent1"/>
+          </a:effectRef>
+          <a:fontRef idx="minor">
+            <a:schemeClr val="tx1"/>
+          </a:fontRef>
+        </p:style>
+      </p:cxnSp>
+      <p:sp>
+        <p:nvSpPr>
+          <p:cNvPr id="3" name="Rectangle 2">
+            <a:extLst>
+              <a:ext uri="{FF2B5EF4-FFF2-40B4-BE49-F238E27FC236}">
+                <a16:creationId xmlns:a16="http://schemas.microsoft.com/office/drawing/2014/main" id="{2C9A6A3D-292F-46F2-970D-2993E1A4C8EF}"/>
+              </a:ext>
+            </a:extLst>
+          </p:cNvPr>
+          <p:cNvSpPr/>
+          <p:nvPr/>
+        </p:nvSpPr>
+        <p:spPr>
+          <a:xfrm>
+            <a:off x="4734945" y="2278386"/>
+            <a:ext cx="2809875" cy="4579614"/>
+          </a:xfrm>
+          <a:prstGeom prst="rect">
+            <a:avLst/>
+          </a:prstGeom>
+          <a:solidFill>
+            <a:schemeClr val="bg1"/>
+          </a:solidFill>
+          <a:ln>
+            <a:solidFill>
+              <a:schemeClr val="bg1"/>
+            </a:solidFill>
+          </a:ln>
+        </p:spPr>
+        <p:style>
+          <a:lnRef idx="2">
+            <a:schemeClr val="accent1">
+              <a:shade val="50000"/>
+            </a:schemeClr>
+          </a:lnRef>
+          <a:fillRef idx="1">
+            <a:schemeClr val="accent1"/>
+          </a:fillRef>
+          <a:effectRef idx="0">
+            <a:schemeClr val="accent1"/>
+          </a:effectRef>
+          <a:fontRef idx="minor">
+            <a:schemeClr val="lt1"/>
+          </a:fontRef>
+        </p:style>
+        <p:txBody>
+          <a:bodyPr rtlCol="0" anchor="ctr"/>
+          <a:lstStyle/>
+          <a:p>
+            <a:pPr algn="ctr"/>
             <a:endParaRPr lang="en-US"/>
           </a:p>
         </p:txBody>
@@ -4287,7 +4075,36 @@
           <p:cNvPr id="4" name="Picture 3">
             <a:extLst>
               <a:ext uri="{FF2B5EF4-FFF2-40B4-BE49-F238E27FC236}">
-                <a16:creationId xmlns:a16="http://schemas.microsoft.com/office/drawing/2014/main" id="{4F7229B2-51BA-4CB4-B842-A9A72D14BC00}"/>
+                <a16:creationId xmlns:a16="http://schemas.microsoft.com/office/drawing/2014/main" id="{220B83E9-DEB0-422B-81B0-5B9883A623DD}"/>
+              </a:ext>
+            </a:extLst>
+          </p:cNvPr>
+          <p:cNvPicPr>
+            <a:picLocks noChangeAspect="1"/>
+          </p:cNvPicPr>
+          <p:nvPr/>
+        </p:nvPicPr>
+        <p:blipFill rotWithShape="1">
+          <a:blip r:embed="rId2"/>
+          <a:srcRect t="4707"/>
+          <a:stretch/>
+        </p:blipFill>
+        <p:spPr>
+          <a:xfrm>
+            <a:off x="206858" y="2278386"/>
+            <a:ext cx="11438791" cy="1934814"/>
+          </a:xfrm>
+          <a:prstGeom prst="rect">
+            <a:avLst/>
+          </a:prstGeom>
+        </p:spPr>
+      </p:pic>
+      <p:pic>
+        <p:nvPicPr>
+          <p:cNvPr id="5" name="Picture 4">
+            <a:extLst>
+              <a:ext uri="{FF2B5EF4-FFF2-40B4-BE49-F238E27FC236}">
+                <a16:creationId xmlns:a16="http://schemas.microsoft.com/office/drawing/2014/main" id="{D34BEB96-8F9A-490D-AFD3-B542372087D8}"/>
               </a:ext>
             </a:extLst>
           </p:cNvPr>
@@ -4297,82 +4114,292 @@
           <p:nvPr/>
         </p:nvPicPr>
         <p:blipFill>
-          <a:blip r:embed="rId2"/>
+          <a:blip r:embed="rId3"/>
           <a:stretch>
             <a:fillRect/>
           </a:stretch>
         </p:blipFill>
         <p:spPr>
           <a:xfrm>
-            <a:off x="0" y="277232"/>
-            <a:ext cx="12192000" cy="6303535"/>
+            <a:off x="444092" y="4213200"/>
+            <a:ext cx="11391583" cy="2534626"/>
           </a:xfrm>
           <a:prstGeom prst="rect">
             <a:avLst/>
           </a:prstGeom>
         </p:spPr>
       </p:pic>
-      <p:sp>
-        <p:nvSpPr>
-          <p:cNvPr id="2" name="Title 1">
-            <a:extLst>
-              <a:ext uri="{FF2B5EF4-FFF2-40B4-BE49-F238E27FC236}">
-                <a16:creationId xmlns:a16="http://schemas.microsoft.com/office/drawing/2014/main" id="{B115EF79-EB14-47AE-9BB3-72A2B9CD0C4D}"/>
-              </a:ext>
-            </a:extLst>
-          </p:cNvPr>
-          <p:cNvSpPr>
-            <a:spLocks noGrp="1"/>
-          </p:cNvSpPr>
-          <p:nvPr>
-            <p:ph type="title"/>
-          </p:nvPr>
-        </p:nvSpPr>
-        <p:spPr>
-          <a:xfrm>
-            <a:off x="1376082" y="5514181"/>
-            <a:ext cx="10515600" cy="1325563"/>
-          </a:xfrm>
-        </p:spPr>
-        <p:txBody>
-          <a:bodyPr/>
-          <a:lstStyle/>
-          <a:p>
-            <a:r>
-              <a:rPr lang="en-US" dirty="0"/>
-              <a:t>Class Hierarchy Diagram </a:t>
-            </a:r>
-          </a:p>
-        </p:txBody>
-      </p:sp>
     </p:spTree>
     <p:extLst>
       <p:ext uri="{BB962C8B-B14F-4D97-AF65-F5344CB8AC3E}">
-        <p14:creationId xmlns:p14="http://schemas.microsoft.com/office/powerpoint/2010/main" val="2722061198"/>
+        <p14:creationId xmlns:p14="http://schemas.microsoft.com/office/powerpoint/2010/main" val="344230544"/>
       </p:ext>
     </p:extLst>
   </p:cSld>
   <p:clrMapOvr>
     <a:masterClrMapping/>
   </p:clrMapOvr>
-  <mc:AlternateContent xmlns:mc="http://schemas.openxmlformats.org/markup-compatibility/2006">
-    <mc:Choice xmlns:p14="http://schemas.microsoft.com/office/powerpoint/2010/main" Requires="p14">
-      <p:transition spd="med" p14:dur="700">
-        <p:fade/>
-      </p:transition>
-    </mc:Choice>
-    <mc:Fallback>
-      <p:transition spd="med">
-        <p:fade/>
-      </p:transition>
-    </mc:Fallback>
-  </mc:AlternateContent>
+  <p:transition spd="slow">
+    <p:push dir="u"/>
+  </p:transition>
+  <p:timing>
+    <p:tnLst>
+      <p:par>
+        <p:cTn id="1" dur="indefinite" restart="never" nodeType="tmRoot">
+          <p:childTnLst>
+            <p:seq concurrent="1" nextAc="seek">
+              <p:cTn id="2" dur="indefinite" nodeType="mainSeq">
+                <p:childTnLst>
+                  <p:par>
+                    <p:cTn id="3" fill="hold">
+                      <p:stCondLst>
+                        <p:cond delay="indefinite"/>
+                        <p:cond evt="onBegin" delay="0">
+                          <p:tn val="2"/>
+                        </p:cond>
+                      </p:stCondLst>
+                      <p:childTnLst>
+                        <p:par>
+                          <p:cTn id="4" fill="hold">
+                            <p:stCondLst>
+                              <p:cond delay="0"/>
+                            </p:stCondLst>
+                            <p:childTnLst>
+                              <p:par>
+                                <p:cTn id="5" presetID="10" presetClass="entr" presetSubtype="0" fill="hold" grpId="0" nodeType="withEffect">
+                                  <p:stCondLst>
+                                    <p:cond delay="0"/>
+                                  </p:stCondLst>
+                                  <p:childTnLst>
+                                    <p:set>
+                                      <p:cBhvr>
+                                        <p:cTn id="6" dur="1" fill="hold">
+                                          <p:stCondLst>
+                                            <p:cond delay="0"/>
+                                          </p:stCondLst>
+                                        </p:cTn>
+                                        <p:tgtEl>
+                                          <p:spTgt spid="2"/>
+                                        </p:tgtEl>
+                                        <p:attrNameLst>
+                                          <p:attrName>style.visibility</p:attrName>
+                                        </p:attrNameLst>
+                                      </p:cBhvr>
+                                      <p:to>
+                                        <p:strVal val="visible"/>
+                                      </p:to>
+                                    </p:set>
+                                    <p:animEffect transition="in" filter="fade">
+                                      <p:cBhvr>
+                                        <p:cTn id="7" dur="500"/>
+                                        <p:tgtEl>
+                                          <p:spTgt spid="2"/>
+                                        </p:tgtEl>
+                                      </p:cBhvr>
+                                    </p:animEffect>
+                                  </p:childTnLst>
+                                </p:cTn>
+                              </p:par>
+                            </p:childTnLst>
+                          </p:cTn>
+                        </p:par>
+                      </p:childTnLst>
+                    </p:cTn>
+                  </p:par>
+                  <p:par>
+                    <p:cTn id="8" fill="hold">
+                      <p:stCondLst>
+                        <p:cond delay="indefinite"/>
+                      </p:stCondLst>
+                      <p:childTnLst>
+                        <p:par>
+                          <p:cTn id="9" fill="hold">
+                            <p:stCondLst>
+                              <p:cond delay="0"/>
+                            </p:stCondLst>
+                            <p:childTnLst>
+                              <p:par>
+                                <p:cTn id="10" presetID="14" presetClass="entr" presetSubtype="10" fill="hold" nodeType="clickEffect">
+                                  <p:stCondLst>
+                                    <p:cond delay="0"/>
+                                  </p:stCondLst>
+                                  <p:childTnLst>
+                                    <p:set>
+                                      <p:cBhvr>
+                                        <p:cTn id="11" dur="1" fill="hold">
+                                          <p:stCondLst>
+                                            <p:cond delay="0"/>
+                                          </p:stCondLst>
+                                        </p:cTn>
+                                        <p:tgtEl>
+                                          <p:spTgt spid="4"/>
+                                        </p:tgtEl>
+                                        <p:attrNameLst>
+                                          <p:attrName>style.visibility</p:attrName>
+                                        </p:attrNameLst>
+                                      </p:cBhvr>
+                                      <p:to>
+                                        <p:strVal val="visible"/>
+                                      </p:to>
+                                    </p:set>
+                                    <p:animEffect transition="in" filter="randombar(horizontal)">
+                                      <p:cBhvr>
+                                        <p:cTn id="12" dur="500"/>
+                                        <p:tgtEl>
+                                          <p:spTgt spid="4"/>
+                                        </p:tgtEl>
+                                      </p:cBhvr>
+                                    </p:animEffect>
+                                  </p:childTnLst>
+                                </p:cTn>
+                              </p:par>
+                            </p:childTnLst>
+                          </p:cTn>
+                        </p:par>
+                      </p:childTnLst>
+                    </p:cTn>
+                  </p:par>
+                  <p:par>
+                    <p:cTn id="13" fill="hold">
+                      <p:stCondLst>
+                        <p:cond delay="indefinite"/>
+                      </p:stCondLst>
+                      <p:childTnLst>
+                        <p:par>
+                          <p:cTn id="14" fill="hold">
+                            <p:stCondLst>
+                              <p:cond delay="0"/>
+                            </p:stCondLst>
+                            <p:childTnLst>
+                              <p:par>
+                                <p:cTn id="15" presetID="53" presetClass="entr" presetSubtype="16" fill="hold" nodeType="clickEffect">
+                                  <p:stCondLst>
+                                    <p:cond delay="0"/>
+                                  </p:stCondLst>
+                                  <p:childTnLst>
+                                    <p:set>
+                                      <p:cBhvr>
+                                        <p:cTn id="16" dur="1" fill="hold">
+                                          <p:stCondLst>
+                                            <p:cond delay="0"/>
+                                          </p:stCondLst>
+                                        </p:cTn>
+                                        <p:tgtEl>
+                                          <p:spTgt spid="5"/>
+                                        </p:tgtEl>
+                                        <p:attrNameLst>
+                                          <p:attrName>style.visibility</p:attrName>
+                                        </p:attrNameLst>
+                                      </p:cBhvr>
+                                      <p:to>
+                                        <p:strVal val="visible"/>
+                                      </p:to>
+                                    </p:set>
+                                    <p:anim calcmode="lin" valueType="num">
+                                      <p:cBhvr>
+                                        <p:cTn id="17" dur="500" fill="hold"/>
+                                        <p:tgtEl>
+                                          <p:spTgt spid="5"/>
+                                        </p:tgtEl>
+                                        <p:attrNameLst>
+                                          <p:attrName>ppt_w</p:attrName>
+                                        </p:attrNameLst>
+                                      </p:cBhvr>
+                                      <p:tavLst>
+                                        <p:tav tm="0">
+                                          <p:val>
+                                            <p:fltVal val="0"/>
+                                          </p:val>
+                                        </p:tav>
+                                        <p:tav tm="100000">
+                                          <p:val>
+                                            <p:strVal val="#ppt_w"/>
+                                          </p:val>
+                                        </p:tav>
+                                      </p:tavLst>
+                                    </p:anim>
+                                    <p:anim calcmode="lin" valueType="num">
+                                      <p:cBhvr>
+                                        <p:cTn id="18" dur="500" fill="hold"/>
+                                        <p:tgtEl>
+                                          <p:spTgt spid="5"/>
+                                        </p:tgtEl>
+                                        <p:attrNameLst>
+                                          <p:attrName>ppt_h</p:attrName>
+                                        </p:attrNameLst>
+                                      </p:cBhvr>
+                                      <p:tavLst>
+                                        <p:tav tm="0">
+                                          <p:val>
+                                            <p:fltVal val="0"/>
+                                          </p:val>
+                                        </p:tav>
+                                        <p:tav tm="100000">
+                                          <p:val>
+                                            <p:strVal val="#ppt_h"/>
+                                          </p:val>
+                                        </p:tav>
+                                      </p:tavLst>
+                                    </p:anim>
+                                    <p:animEffect transition="in" filter="fade">
+                                      <p:cBhvr>
+                                        <p:cTn id="19" dur="500"/>
+                                        <p:tgtEl>
+                                          <p:spTgt spid="5"/>
+                                        </p:tgtEl>
+                                      </p:cBhvr>
+                                    </p:animEffect>
+                                  </p:childTnLst>
+                                </p:cTn>
+                              </p:par>
+                            </p:childTnLst>
+                          </p:cTn>
+                        </p:par>
+                      </p:childTnLst>
+                    </p:cTn>
+                  </p:par>
+                </p:childTnLst>
+              </p:cTn>
+              <p:prevCondLst>
+                <p:cond evt="onPrev" delay="0">
+                  <p:tgtEl>
+                    <p:sldTgt/>
+                  </p:tgtEl>
+                </p:cond>
+              </p:prevCondLst>
+              <p:nextCondLst>
+                <p:cond evt="onNext" delay="0">
+                  <p:tgtEl>
+                    <p:sldTgt/>
+                  </p:tgtEl>
+                </p:cond>
+              </p:nextCondLst>
+            </p:seq>
+          </p:childTnLst>
+        </p:cTn>
+      </p:par>
+    </p:tnLst>
+    <p:bldLst>
+      <p:bldP spid="2" grpId="0"/>
+    </p:bldLst>
+  </p:timing>
 </p:sld>
 </file>
 
-<file path=ppt/slides/slide5.xml><?xml version="1.0" encoding="utf-8"?>
+<file path=ppt/slides/slide3.xml><?xml version="1.0" encoding="utf-8"?>
 <p:sld xmlns:a="http://schemas.openxmlformats.org/drawingml/2006/main" xmlns:r="http://schemas.openxmlformats.org/officeDocument/2006/relationships" xmlns:p="http://schemas.openxmlformats.org/presentationml/2006/main">
   <p:cSld>
+    <p:bg>
+      <p:bgPr>
+        <a:solidFill>
+          <a:schemeClr val="bg1">
+            <a:tint val="95000"/>
+            <a:satMod val="170000"/>
+          </a:schemeClr>
+        </a:solidFill>
+        <a:effectLst/>
+      </p:bgPr>
+    </p:bg>
     <p:spTree>
       <p:nvGrpSpPr>
         <p:cNvPr id="1" name=""/>
@@ -4387,41 +4414,242 @@
           <a:chExt cx="0" cy="0"/>
         </a:xfrm>
       </p:grpSpPr>
-      <p:pic>
-        <p:nvPicPr>
-          <p:cNvPr id="4" name="Picture 3">
-            <a:extLst>
-              <a:ext uri="{FF2B5EF4-FFF2-40B4-BE49-F238E27FC236}">
-                <a16:creationId xmlns:a16="http://schemas.microsoft.com/office/drawing/2014/main" id="{5B033D99-E79D-44E1-A49E-7618802A9D3F}"/>
-              </a:ext>
-            </a:extLst>
-          </p:cNvPr>
-          <p:cNvPicPr>
-            <a:picLocks noChangeAspect="1"/>
-          </p:cNvPicPr>
-          <p:nvPr/>
-        </p:nvPicPr>
-        <p:blipFill rotWithShape="1">
-          <a:blip r:embed="rId2"/>
-          <a:srcRect l="353"/>
-          <a:stretch/>
-        </p:blipFill>
+      <p:grpSp>
+        <p:nvGrpSpPr>
+          <p:cNvPr id="17" name="Group 16">
+            <a:extLst>
+              <a:ext uri="{FF2B5EF4-FFF2-40B4-BE49-F238E27FC236}">
+                <a16:creationId xmlns:a16="http://schemas.microsoft.com/office/drawing/2014/main" id="{5F8A7F7F-DD1A-4F41-98AC-B9CE2A620CDC}"/>
+              </a:ext>
+              <a:ext uri="{C183D7F6-B498-43B3-948B-1728B52AA6E4}">
+                <adec:decorative xmlns:adec="http://schemas.microsoft.com/office/drawing/2017/decorative" val="1"/>
+              </a:ext>
+            </a:extLst>
+          </p:cNvPr>
+          <p:cNvGrpSpPr>
+            <a:grpSpLocks noGrp="1" noUngrp="1" noRot="1" noChangeAspect="1" noMove="1" noResize="1"/>
+          </p:cNvGrpSpPr>
+          <p:nvPr>
+            <p:extLst>
+              <p:ext uri="{386F3935-93C4-4BCD-93E2-E3B085C9AB24}">
+                <p16:designElem xmlns:p16="http://schemas.microsoft.com/office/powerpoint/2015/main" val="1"/>
+              </p:ext>
+            </p:extLst>
+          </p:nvPr>
+        </p:nvGrpSpPr>
+        <p:grpSpPr>
+          <a:xfrm>
+            <a:off x="800144" y="1699589"/>
+            <a:ext cx="3674476" cy="3200399"/>
+            <a:chOff x="697883" y="1816768"/>
+            <a:chExt cx="3674476" cy="3200399"/>
+          </a:xfrm>
+          <a:solidFill>
+            <a:schemeClr val="accent1"/>
+          </a:solidFill>
+        </p:grpSpPr>
+        <p:sp>
+          <p:nvSpPr>
+            <p:cNvPr id="18" name="Rectangle 17">
+              <a:extLst>
+                <a:ext uri="{FF2B5EF4-FFF2-40B4-BE49-F238E27FC236}">
+                  <a16:creationId xmlns:a16="http://schemas.microsoft.com/office/drawing/2014/main" id="{CEF47228-EB7C-4EBA-BE01-DA6CB2410289}"/>
+                </a:ext>
+                <a:ext uri="{C183D7F6-B498-43B3-948B-1728B52AA6E4}">
+                  <adec:decorative xmlns:adec="http://schemas.microsoft.com/office/drawing/2017/decorative" val="1"/>
+                </a:ext>
+              </a:extLst>
+            </p:cNvPr>
+            <p:cNvSpPr/>
+            <p:nvPr>
+              <p:extLst>
+                <p:ext uri="{386F3935-93C4-4BCD-93E2-E3B085C9AB24}">
+                  <p16:designElem xmlns:p16="http://schemas.microsoft.com/office/powerpoint/2015/main" val="1"/>
+                </p:ext>
+              </p:extLst>
+            </p:nvPr>
+          </p:nvSpPr>
+          <p:spPr>
+            <a:xfrm>
+              <a:off x="697883" y="1816768"/>
+              <a:ext cx="3674476" cy="502920"/>
+            </a:xfrm>
+            <a:prstGeom prst="rect">
+              <a:avLst/>
+            </a:prstGeom>
+            <a:gradFill flip="none" rotWithShape="1">
+              <a:gsLst>
+                <a:gs pos="0">
+                  <a:schemeClr val="accent3">
+                    <a:lumMod val="89000"/>
+                  </a:schemeClr>
+                </a:gs>
+                <a:gs pos="23000">
+                  <a:schemeClr val="accent3">
+                    <a:lumMod val="89000"/>
+                  </a:schemeClr>
+                </a:gs>
+                <a:gs pos="69000">
+                  <a:schemeClr val="accent3">
+                    <a:lumMod val="75000"/>
+                  </a:schemeClr>
+                </a:gs>
+                <a:gs pos="97000">
+                  <a:schemeClr val="accent3">
+                    <a:lumMod val="70000"/>
+                  </a:schemeClr>
+                </a:gs>
+              </a:gsLst>
+              <a:path path="circle">
+                <a:fillToRect l="50000" t="50000" r="50000" b="50000"/>
+              </a:path>
+              <a:tileRect/>
+            </a:gradFill>
+            <a:ln>
+              <a:noFill/>
+            </a:ln>
+          </p:spPr>
+          <p:style>
+            <a:lnRef idx="2">
+              <a:schemeClr val="accent1">
+                <a:shade val="50000"/>
+              </a:schemeClr>
+            </a:lnRef>
+            <a:fillRef idx="1">
+              <a:schemeClr val="accent1"/>
+            </a:fillRef>
+            <a:effectRef idx="0">
+              <a:schemeClr val="accent1"/>
+            </a:effectRef>
+            <a:fontRef idx="minor">
+              <a:schemeClr val="lt1"/>
+            </a:fontRef>
+          </p:style>
+        </p:sp>
+        <p:sp>
+          <p:nvSpPr>
+            <p:cNvPr id="19" name="Rectangle 18">
+              <a:extLst>
+                <a:ext uri="{FF2B5EF4-FFF2-40B4-BE49-F238E27FC236}">
+                  <a16:creationId xmlns:a16="http://schemas.microsoft.com/office/drawing/2014/main" id="{DCF573BC-A06F-4036-A3A8-9D07DDE62253}"/>
+                </a:ext>
+                <a:ext uri="{C183D7F6-B498-43B3-948B-1728B52AA6E4}">
+                  <adec:decorative xmlns:adec="http://schemas.microsoft.com/office/drawing/2017/decorative" val="1"/>
+                </a:ext>
+              </a:extLst>
+            </p:cNvPr>
+            <p:cNvSpPr/>
+            <p:nvPr>
+              <p:extLst>
+                <p:ext uri="{386F3935-93C4-4BCD-93E2-E3B085C9AB24}">
+                  <p16:designElem xmlns:p16="http://schemas.microsoft.com/office/powerpoint/2015/main" val="1"/>
+                </p:ext>
+              </p:extLst>
+            </p:nvPr>
+          </p:nvSpPr>
+          <p:spPr>
+            <a:xfrm>
+              <a:off x="704075" y="2392840"/>
+              <a:ext cx="3668284" cy="2624327"/>
+            </a:xfrm>
+            <a:prstGeom prst="rect">
+              <a:avLst/>
+            </a:prstGeom>
+            <a:gradFill>
+              <a:gsLst>
+                <a:gs pos="0">
+                  <a:schemeClr val="accent3">
+                    <a:lumMod val="89000"/>
+                  </a:schemeClr>
+                </a:gs>
+                <a:gs pos="23000">
+                  <a:schemeClr val="accent3">
+                    <a:lumMod val="89000"/>
+                  </a:schemeClr>
+                </a:gs>
+                <a:gs pos="69000">
+                  <a:schemeClr val="accent3">
+                    <a:lumMod val="75000"/>
+                  </a:schemeClr>
+                </a:gs>
+                <a:gs pos="97000">
+                  <a:schemeClr val="accent3">
+                    <a:lumMod val="70000"/>
+                  </a:schemeClr>
+                </a:gs>
+              </a:gsLst>
+              <a:path path="circle">
+                <a:fillToRect l="50000" t="50000" r="50000" b="50000"/>
+              </a:path>
+            </a:gradFill>
+            <a:ln>
+              <a:noFill/>
+            </a:ln>
+          </p:spPr>
+          <p:style>
+            <a:lnRef idx="2">
+              <a:schemeClr val="accent1">
+                <a:shade val="50000"/>
+              </a:schemeClr>
+            </a:lnRef>
+            <a:fillRef idx="1">
+              <a:schemeClr val="accent1"/>
+            </a:fillRef>
+            <a:effectRef idx="0">
+              <a:schemeClr val="accent1"/>
+            </a:effectRef>
+            <a:fontRef idx="minor">
+              <a:schemeClr val="lt1"/>
+            </a:fontRef>
+          </p:style>
+        </p:sp>
+      </p:grpSp>
+      <p:sp>
+        <p:nvSpPr>
+          <p:cNvPr id="2" name="Title 1">
+            <a:extLst>
+              <a:ext uri="{FF2B5EF4-FFF2-40B4-BE49-F238E27FC236}">
+                <a16:creationId xmlns:a16="http://schemas.microsoft.com/office/drawing/2014/main" id="{3F9E6FD0-C482-471E-90E7-C98BF949429A}"/>
+              </a:ext>
+            </a:extLst>
+          </p:cNvPr>
+          <p:cNvSpPr>
+            <a:spLocks noGrp="1"/>
+          </p:cNvSpPr>
+          <p:nvPr>
+            <p:ph type="title"/>
+          </p:nvPr>
+        </p:nvSpPr>
         <p:spPr>
           <a:xfrm>
-            <a:off x="856647" y="0"/>
-            <a:ext cx="10436428" cy="6858000"/>
+            <a:off x="904877" y="2415322"/>
+            <a:ext cx="3451730" cy="2399869"/>
           </a:xfrm>
-          <a:prstGeom prst="rect">
-            <a:avLst/>
-          </a:prstGeom>
         </p:spPr>
-      </p:pic>
-      <p:sp>
-        <p:nvSpPr>
-          <p:cNvPr id="2" name="Title 1">
-            <a:extLst>
-              <a:ext uri="{FF2B5EF4-FFF2-40B4-BE49-F238E27FC236}">
-                <a16:creationId xmlns:a16="http://schemas.microsoft.com/office/drawing/2014/main" id="{F26A2B1D-74B9-43B0-B76E-5A8B9D2C1960}"/>
+        <p:txBody>
+          <a:bodyPr>
+            <a:normAutofit/>
+          </a:bodyPr>
+          <a:lstStyle/>
+          <a:p>
+            <a:pPr algn="ctr"/>
+            <a:r>
+              <a:rPr lang="en-US" sz="4000" dirty="0">
+                <a:solidFill>
+                  <a:srgbClr val="FFFFFF"/>
+                </a:solidFill>
+              </a:rPr>
+              <a:t>Requirements and Challenges</a:t>
+            </a:r>
+          </a:p>
+        </p:txBody>
+      </p:sp>
+      <p:sp>
+        <p:nvSpPr>
+          <p:cNvPr id="3" name="Content Placeholder 2">
+            <a:extLst>
+              <a:ext uri="{FF2B5EF4-FFF2-40B4-BE49-F238E27FC236}">
+                <a16:creationId xmlns:a16="http://schemas.microsoft.com/office/drawing/2014/main" id="{D7FE010A-BB2E-49B2-963F-3880C64E3DF3}"/>
               </a:ext>
             </a:extLst>
           </p:cNvPr>
@@ -4429,54 +4657,940 @@
             <a:spLocks noGrp="1"/>
           </p:cNvSpPr>
           <p:nvPr>
-            <p:ph type="title"/>
+            <p:ph idx="1"/>
           </p:nvPr>
         </p:nvSpPr>
         <p:spPr>
           <a:xfrm>
-            <a:off x="6074861" y="500062"/>
-            <a:ext cx="10515600" cy="1325563"/>
+            <a:off x="4663440" y="804672"/>
+            <a:ext cx="6281928" cy="5248656"/>
           </a:xfrm>
         </p:spPr>
         <p:txBody>
-          <a:bodyPr/>
+          <a:bodyPr anchor="ctr">
+            <a:normAutofit/>
+          </a:bodyPr>
           <a:lstStyle/>
           <a:p>
             <a:r>
-              <a:rPr lang="en-US" dirty="0"/>
-              <a:t>Distinctive Aspects </a:t>
-            </a:r>
+              <a:rPr lang="en-US" sz="2000" dirty="0"/>
+              <a:t>Writing music</a:t>
+            </a:r>
+          </a:p>
+          <a:p>
+            <a:pPr lvl="1"/>
+            <a:r>
+              <a:rPr lang="en-US" sz="2000" dirty="0"/>
+              <a:t>Saving notes</a:t>
+            </a:r>
+          </a:p>
+          <a:p>
+            <a:pPr lvl="1"/>
+            <a:r>
+              <a:rPr lang="en-US" sz="2000" dirty="0"/>
+              <a:t>Using logic to check for errors</a:t>
+            </a:r>
+          </a:p>
+          <a:p>
+            <a:pPr lvl="1"/>
+            <a:r>
+              <a:rPr lang="en-US" sz="2000" dirty="0"/>
+              <a:t>Deciding which part of the program does what</a:t>
+            </a:r>
+          </a:p>
+          <a:p>
+            <a:pPr lvl="1"/>
+            <a:r>
+              <a:rPr lang="en-US" sz="2000" dirty="0"/>
+              <a:t>Translating music theory into code</a:t>
+            </a:r>
+          </a:p>
+          <a:p>
+            <a:r>
+              <a:rPr lang="en-US" sz="2000" dirty="0"/>
+              <a:t>Exporting music</a:t>
+            </a:r>
+          </a:p>
+          <a:p>
+            <a:pPr lvl="1"/>
+            <a:r>
+              <a:rPr lang="en-US" sz="2000" dirty="0"/>
+              <a:t>Understanding basic music rules</a:t>
+            </a:r>
+          </a:p>
+          <a:p>
+            <a:pPr lvl="1"/>
+            <a:r>
+              <a:rPr lang="en-US" sz="2000" dirty="0"/>
+              <a:t>Integrating with </a:t>
+            </a:r>
+            <a:r>
+              <a:rPr lang="en-US" sz="2000" dirty="0" err="1"/>
+              <a:t>LilyPond</a:t>
+            </a:r>
+            <a:endParaRPr lang="en-US" sz="2000" dirty="0"/>
+          </a:p>
+          <a:p>
+            <a:pPr lvl="1"/>
+            <a:r>
+              <a:rPr lang="en-US" sz="2000" dirty="0"/>
+              <a:t>Exporting different lengths</a:t>
+            </a:r>
+          </a:p>
+          <a:p>
+            <a:pPr lvl="1"/>
+            <a:r>
+              <a:rPr lang="en-US" sz="2000" dirty="0"/>
+              <a:t>Exporting different keys</a:t>
+            </a:r>
+          </a:p>
+          <a:p>
+            <a:pPr lvl="1"/>
+            <a:r>
+              <a:rPr lang="en-US" sz="2000" dirty="0"/>
+              <a:t>Exporting different time signatures</a:t>
+            </a:r>
+          </a:p>
+          <a:p>
+            <a:pPr lvl="1"/>
+            <a:endParaRPr lang="en-US" sz="2000" dirty="0"/>
           </a:p>
         </p:txBody>
       </p:sp>
     </p:spTree>
     <p:extLst>
       <p:ext uri="{BB962C8B-B14F-4D97-AF65-F5344CB8AC3E}">
-        <p14:creationId xmlns:p14="http://schemas.microsoft.com/office/powerpoint/2010/main" val="690248256"/>
+        <p14:creationId xmlns:p14="http://schemas.microsoft.com/office/powerpoint/2010/main" val="3855743127"/>
       </p:ext>
     </p:extLst>
   </p:cSld>
   <p:clrMapOvr>
-    <a:masterClrMapping/>
+    <a:overrideClrMapping bg1="dk1" tx1="lt1" bg2="dk2" tx2="lt2" accent1="accent1" accent2="accent2" accent3="accent3" accent4="accent4" accent5="accent5" accent6="accent6" hlink="hlink" folHlink="folHlink"/>
   </p:clrMapOvr>
-  <mc:AlternateContent xmlns:mc="http://schemas.openxmlformats.org/markup-compatibility/2006">
-    <mc:Choice xmlns:p14="http://schemas.microsoft.com/office/powerpoint/2010/main" Requires="p14">
-      <p:transition spd="med" p14:dur="700">
-        <p:fade/>
-      </p:transition>
-    </mc:Choice>
-    <mc:Fallback>
-      <p:transition spd="med">
-        <p:fade/>
-      </p:transition>
-    </mc:Fallback>
-  </mc:AlternateContent>
+  <p:transition spd="slow">
+    <p:wipe/>
+  </p:transition>
+  <p:timing>
+    <p:tnLst>
+      <p:par>
+        <p:cTn id="1" dur="indefinite" restart="never" nodeType="tmRoot">
+          <p:childTnLst>
+            <p:seq concurrent="1" nextAc="seek">
+              <p:cTn id="2" dur="indefinite" nodeType="mainSeq">
+                <p:childTnLst>
+                  <p:par>
+                    <p:cTn id="3" fill="hold">
+                      <p:stCondLst>
+                        <p:cond delay="indefinite"/>
+                        <p:cond evt="onBegin" delay="0">
+                          <p:tn val="2"/>
+                        </p:cond>
+                      </p:stCondLst>
+                      <p:childTnLst>
+                        <p:par>
+                          <p:cTn id="4" fill="hold">
+                            <p:stCondLst>
+                              <p:cond delay="0"/>
+                            </p:stCondLst>
+                            <p:childTnLst>
+                              <p:par>
+                                <p:cTn id="5" presetID="42" presetClass="entr" presetSubtype="0" fill="hold" grpId="0" nodeType="withEffect">
+                                  <p:stCondLst>
+                                    <p:cond delay="0"/>
+                                  </p:stCondLst>
+                                  <p:childTnLst>
+                                    <p:set>
+                                      <p:cBhvr>
+                                        <p:cTn id="6" dur="1" fill="hold">
+                                          <p:stCondLst>
+                                            <p:cond delay="0"/>
+                                          </p:stCondLst>
+                                        </p:cTn>
+                                        <p:tgtEl>
+                                          <p:spTgt spid="2"/>
+                                        </p:tgtEl>
+                                        <p:attrNameLst>
+                                          <p:attrName>style.visibility</p:attrName>
+                                        </p:attrNameLst>
+                                      </p:cBhvr>
+                                      <p:to>
+                                        <p:strVal val="visible"/>
+                                      </p:to>
+                                    </p:set>
+                                    <p:animEffect transition="in" filter="fade">
+                                      <p:cBhvr>
+                                        <p:cTn id="7" dur="800"/>
+                                        <p:tgtEl>
+                                          <p:spTgt spid="2"/>
+                                        </p:tgtEl>
+                                      </p:cBhvr>
+                                    </p:animEffect>
+                                    <p:anim calcmode="lin" valueType="num">
+                                      <p:cBhvr>
+                                        <p:cTn id="8" dur="800" fill="hold"/>
+                                        <p:tgtEl>
+                                          <p:spTgt spid="2"/>
+                                        </p:tgtEl>
+                                        <p:attrNameLst>
+                                          <p:attrName>ppt_x</p:attrName>
+                                        </p:attrNameLst>
+                                      </p:cBhvr>
+                                      <p:tavLst>
+                                        <p:tav tm="0">
+                                          <p:val>
+                                            <p:strVal val="#ppt_x"/>
+                                          </p:val>
+                                        </p:tav>
+                                        <p:tav tm="100000">
+                                          <p:val>
+                                            <p:strVal val="#ppt_x"/>
+                                          </p:val>
+                                        </p:tav>
+                                      </p:tavLst>
+                                    </p:anim>
+                                    <p:anim calcmode="lin" valueType="num">
+                                      <p:cBhvr>
+                                        <p:cTn id="9" dur="800" fill="hold"/>
+                                        <p:tgtEl>
+                                          <p:spTgt spid="2"/>
+                                        </p:tgtEl>
+                                        <p:attrNameLst>
+                                          <p:attrName>ppt_y</p:attrName>
+                                        </p:attrNameLst>
+                                      </p:cBhvr>
+                                      <p:tavLst>
+                                        <p:tav tm="0">
+                                          <p:val>
+                                            <p:strVal val="#ppt_y+.1"/>
+                                          </p:val>
+                                        </p:tav>
+                                        <p:tav tm="100000">
+                                          <p:val>
+                                            <p:strVal val="#ppt_y"/>
+                                          </p:val>
+                                        </p:tav>
+                                      </p:tavLst>
+                                    </p:anim>
+                                  </p:childTnLst>
+                                </p:cTn>
+                              </p:par>
+                            </p:childTnLst>
+                          </p:cTn>
+                        </p:par>
+                      </p:childTnLst>
+                    </p:cTn>
+                  </p:par>
+                  <p:par>
+                    <p:cTn id="10" fill="hold">
+                      <p:stCondLst>
+                        <p:cond delay="indefinite"/>
+                      </p:stCondLst>
+                      <p:childTnLst>
+                        <p:par>
+                          <p:cTn id="11" fill="hold">
+                            <p:stCondLst>
+                              <p:cond delay="0"/>
+                            </p:stCondLst>
+                            <p:childTnLst>
+                              <p:par>
+                                <p:cTn id="12" presetID="10" presetClass="entr" presetSubtype="0" fill="hold" grpId="0" nodeType="clickEffect">
+                                  <p:stCondLst>
+                                    <p:cond delay="0"/>
+                                  </p:stCondLst>
+                                  <p:childTnLst>
+                                    <p:set>
+                                      <p:cBhvr>
+                                        <p:cTn id="13" dur="1" fill="hold">
+                                          <p:stCondLst>
+                                            <p:cond delay="0"/>
+                                          </p:stCondLst>
+                                        </p:cTn>
+                                        <p:tgtEl>
+                                          <p:spTgt spid="3">
+                                            <p:txEl>
+                                              <p:pRg st="0" end="0"/>
+                                            </p:txEl>
+                                          </p:spTgt>
+                                        </p:tgtEl>
+                                        <p:attrNameLst>
+                                          <p:attrName>style.visibility</p:attrName>
+                                        </p:attrNameLst>
+                                      </p:cBhvr>
+                                      <p:to>
+                                        <p:strVal val="visible"/>
+                                      </p:to>
+                                    </p:set>
+                                    <p:animEffect transition="in" filter="fade">
+                                      <p:cBhvr>
+                                        <p:cTn id="14" dur="500"/>
+                                        <p:tgtEl>
+                                          <p:spTgt spid="3">
+                                            <p:txEl>
+                                              <p:pRg st="0" end="0"/>
+                                            </p:txEl>
+                                          </p:spTgt>
+                                        </p:tgtEl>
+                                      </p:cBhvr>
+                                    </p:animEffect>
+                                  </p:childTnLst>
+                                </p:cTn>
+                              </p:par>
+                            </p:childTnLst>
+                          </p:cTn>
+                        </p:par>
+                      </p:childTnLst>
+                    </p:cTn>
+                  </p:par>
+                  <p:par>
+                    <p:cTn id="15" fill="hold">
+                      <p:stCondLst>
+                        <p:cond delay="indefinite"/>
+                      </p:stCondLst>
+                      <p:childTnLst>
+                        <p:par>
+                          <p:cTn id="16" fill="hold">
+                            <p:stCondLst>
+                              <p:cond delay="0"/>
+                            </p:stCondLst>
+                            <p:childTnLst>
+                              <p:par>
+                                <p:cTn id="17" presetID="10" presetClass="entr" presetSubtype="0" fill="hold" grpId="0" nodeType="clickEffect">
+                                  <p:stCondLst>
+                                    <p:cond delay="0"/>
+                                  </p:stCondLst>
+                                  <p:childTnLst>
+                                    <p:set>
+                                      <p:cBhvr>
+                                        <p:cTn id="18" dur="1" fill="hold">
+                                          <p:stCondLst>
+                                            <p:cond delay="0"/>
+                                          </p:stCondLst>
+                                        </p:cTn>
+                                        <p:tgtEl>
+                                          <p:spTgt spid="3">
+                                            <p:txEl>
+                                              <p:pRg st="1" end="1"/>
+                                            </p:txEl>
+                                          </p:spTgt>
+                                        </p:tgtEl>
+                                        <p:attrNameLst>
+                                          <p:attrName>style.visibility</p:attrName>
+                                        </p:attrNameLst>
+                                      </p:cBhvr>
+                                      <p:to>
+                                        <p:strVal val="visible"/>
+                                      </p:to>
+                                    </p:set>
+                                    <p:animEffect transition="in" filter="fade">
+                                      <p:cBhvr>
+                                        <p:cTn id="19" dur="500"/>
+                                        <p:tgtEl>
+                                          <p:spTgt spid="3">
+                                            <p:txEl>
+                                              <p:pRg st="1" end="1"/>
+                                            </p:txEl>
+                                          </p:spTgt>
+                                        </p:tgtEl>
+                                      </p:cBhvr>
+                                    </p:animEffect>
+                                  </p:childTnLst>
+                                </p:cTn>
+                              </p:par>
+                            </p:childTnLst>
+                          </p:cTn>
+                        </p:par>
+                      </p:childTnLst>
+                    </p:cTn>
+                  </p:par>
+                  <p:par>
+                    <p:cTn id="20" fill="hold">
+                      <p:stCondLst>
+                        <p:cond delay="indefinite"/>
+                      </p:stCondLst>
+                      <p:childTnLst>
+                        <p:par>
+                          <p:cTn id="21" fill="hold">
+                            <p:stCondLst>
+                              <p:cond delay="0"/>
+                            </p:stCondLst>
+                            <p:childTnLst>
+                              <p:par>
+                                <p:cTn id="22" presetID="10" presetClass="entr" presetSubtype="0" fill="hold" grpId="0" nodeType="clickEffect">
+                                  <p:stCondLst>
+                                    <p:cond delay="0"/>
+                                  </p:stCondLst>
+                                  <p:childTnLst>
+                                    <p:set>
+                                      <p:cBhvr>
+                                        <p:cTn id="23" dur="1" fill="hold">
+                                          <p:stCondLst>
+                                            <p:cond delay="0"/>
+                                          </p:stCondLst>
+                                        </p:cTn>
+                                        <p:tgtEl>
+                                          <p:spTgt spid="3">
+                                            <p:txEl>
+                                              <p:pRg st="2" end="2"/>
+                                            </p:txEl>
+                                          </p:spTgt>
+                                        </p:tgtEl>
+                                        <p:attrNameLst>
+                                          <p:attrName>style.visibility</p:attrName>
+                                        </p:attrNameLst>
+                                      </p:cBhvr>
+                                      <p:to>
+                                        <p:strVal val="visible"/>
+                                      </p:to>
+                                    </p:set>
+                                    <p:animEffect transition="in" filter="fade">
+                                      <p:cBhvr>
+                                        <p:cTn id="24" dur="500"/>
+                                        <p:tgtEl>
+                                          <p:spTgt spid="3">
+                                            <p:txEl>
+                                              <p:pRg st="2" end="2"/>
+                                            </p:txEl>
+                                          </p:spTgt>
+                                        </p:tgtEl>
+                                      </p:cBhvr>
+                                    </p:animEffect>
+                                  </p:childTnLst>
+                                </p:cTn>
+                              </p:par>
+                            </p:childTnLst>
+                          </p:cTn>
+                        </p:par>
+                      </p:childTnLst>
+                    </p:cTn>
+                  </p:par>
+                  <p:par>
+                    <p:cTn id="25" fill="hold">
+                      <p:stCondLst>
+                        <p:cond delay="indefinite"/>
+                      </p:stCondLst>
+                      <p:childTnLst>
+                        <p:par>
+                          <p:cTn id="26" fill="hold">
+                            <p:stCondLst>
+                              <p:cond delay="0"/>
+                            </p:stCondLst>
+                            <p:childTnLst>
+                              <p:par>
+                                <p:cTn id="27" presetID="10" presetClass="entr" presetSubtype="0" fill="hold" grpId="0" nodeType="clickEffect">
+                                  <p:stCondLst>
+                                    <p:cond delay="0"/>
+                                  </p:stCondLst>
+                                  <p:childTnLst>
+                                    <p:set>
+                                      <p:cBhvr>
+                                        <p:cTn id="28" dur="1" fill="hold">
+                                          <p:stCondLst>
+                                            <p:cond delay="0"/>
+                                          </p:stCondLst>
+                                        </p:cTn>
+                                        <p:tgtEl>
+                                          <p:spTgt spid="3">
+                                            <p:txEl>
+                                              <p:pRg st="3" end="3"/>
+                                            </p:txEl>
+                                          </p:spTgt>
+                                        </p:tgtEl>
+                                        <p:attrNameLst>
+                                          <p:attrName>style.visibility</p:attrName>
+                                        </p:attrNameLst>
+                                      </p:cBhvr>
+                                      <p:to>
+                                        <p:strVal val="visible"/>
+                                      </p:to>
+                                    </p:set>
+                                    <p:animEffect transition="in" filter="fade">
+                                      <p:cBhvr>
+                                        <p:cTn id="29" dur="500"/>
+                                        <p:tgtEl>
+                                          <p:spTgt spid="3">
+                                            <p:txEl>
+                                              <p:pRg st="3" end="3"/>
+                                            </p:txEl>
+                                          </p:spTgt>
+                                        </p:tgtEl>
+                                      </p:cBhvr>
+                                    </p:animEffect>
+                                  </p:childTnLst>
+                                </p:cTn>
+                              </p:par>
+                            </p:childTnLst>
+                          </p:cTn>
+                        </p:par>
+                      </p:childTnLst>
+                    </p:cTn>
+                  </p:par>
+                  <p:par>
+                    <p:cTn id="30" fill="hold">
+                      <p:stCondLst>
+                        <p:cond delay="indefinite"/>
+                      </p:stCondLst>
+                      <p:childTnLst>
+                        <p:par>
+                          <p:cTn id="31" fill="hold">
+                            <p:stCondLst>
+                              <p:cond delay="0"/>
+                            </p:stCondLst>
+                            <p:childTnLst>
+                              <p:par>
+                                <p:cTn id="32" presetID="10" presetClass="entr" presetSubtype="0" fill="hold" grpId="0" nodeType="clickEffect">
+                                  <p:stCondLst>
+                                    <p:cond delay="0"/>
+                                  </p:stCondLst>
+                                  <p:childTnLst>
+                                    <p:set>
+                                      <p:cBhvr>
+                                        <p:cTn id="33" dur="1" fill="hold">
+                                          <p:stCondLst>
+                                            <p:cond delay="0"/>
+                                          </p:stCondLst>
+                                        </p:cTn>
+                                        <p:tgtEl>
+                                          <p:spTgt spid="3">
+                                            <p:txEl>
+                                              <p:pRg st="4" end="4"/>
+                                            </p:txEl>
+                                          </p:spTgt>
+                                        </p:tgtEl>
+                                        <p:attrNameLst>
+                                          <p:attrName>style.visibility</p:attrName>
+                                        </p:attrNameLst>
+                                      </p:cBhvr>
+                                      <p:to>
+                                        <p:strVal val="visible"/>
+                                      </p:to>
+                                    </p:set>
+                                    <p:animEffect transition="in" filter="fade">
+                                      <p:cBhvr>
+                                        <p:cTn id="34" dur="500"/>
+                                        <p:tgtEl>
+                                          <p:spTgt spid="3">
+                                            <p:txEl>
+                                              <p:pRg st="4" end="4"/>
+                                            </p:txEl>
+                                          </p:spTgt>
+                                        </p:tgtEl>
+                                      </p:cBhvr>
+                                    </p:animEffect>
+                                  </p:childTnLst>
+                                </p:cTn>
+                              </p:par>
+                            </p:childTnLst>
+                          </p:cTn>
+                        </p:par>
+                      </p:childTnLst>
+                    </p:cTn>
+                  </p:par>
+                  <p:par>
+                    <p:cTn id="35" fill="hold">
+                      <p:stCondLst>
+                        <p:cond delay="indefinite"/>
+                      </p:stCondLst>
+                      <p:childTnLst>
+                        <p:par>
+                          <p:cTn id="36" fill="hold">
+                            <p:stCondLst>
+                              <p:cond delay="0"/>
+                            </p:stCondLst>
+                            <p:childTnLst>
+                              <p:par>
+                                <p:cTn id="37" presetID="10" presetClass="entr" presetSubtype="0" fill="hold" grpId="0" nodeType="clickEffect">
+                                  <p:stCondLst>
+                                    <p:cond delay="0"/>
+                                  </p:stCondLst>
+                                  <p:childTnLst>
+                                    <p:set>
+                                      <p:cBhvr>
+                                        <p:cTn id="38" dur="1" fill="hold">
+                                          <p:stCondLst>
+                                            <p:cond delay="0"/>
+                                          </p:stCondLst>
+                                        </p:cTn>
+                                        <p:tgtEl>
+                                          <p:spTgt spid="3">
+                                            <p:txEl>
+                                              <p:pRg st="5" end="5"/>
+                                            </p:txEl>
+                                          </p:spTgt>
+                                        </p:tgtEl>
+                                        <p:attrNameLst>
+                                          <p:attrName>style.visibility</p:attrName>
+                                        </p:attrNameLst>
+                                      </p:cBhvr>
+                                      <p:to>
+                                        <p:strVal val="visible"/>
+                                      </p:to>
+                                    </p:set>
+                                    <p:animEffect transition="in" filter="fade">
+                                      <p:cBhvr>
+                                        <p:cTn id="39" dur="500"/>
+                                        <p:tgtEl>
+                                          <p:spTgt spid="3">
+                                            <p:txEl>
+                                              <p:pRg st="5" end="5"/>
+                                            </p:txEl>
+                                          </p:spTgt>
+                                        </p:tgtEl>
+                                      </p:cBhvr>
+                                    </p:animEffect>
+                                  </p:childTnLst>
+                                </p:cTn>
+                              </p:par>
+                            </p:childTnLst>
+                          </p:cTn>
+                        </p:par>
+                      </p:childTnLst>
+                    </p:cTn>
+                  </p:par>
+                  <p:par>
+                    <p:cTn id="40" fill="hold">
+                      <p:stCondLst>
+                        <p:cond delay="indefinite"/>
+                      </p:stCondLst>
+                      <p:childTnLst>
+                        <p:par>
+                          <p:cTn id="41" fill="hold">
+                            <p:stCondLst>
+                              <p:cond delay="0"/>
+                            </p:stCondLst>
+                            <p:childTnLst>
+                              <p:par>
+                                <p:cTn id="42" presetID="10" presetClass="entr" presetSubtype="0" fill="hold" grpId="0" nodeType="clickEffect">
+                                  <p:stCondLst>
+                                    <p:cond delay="0"/>
+                                  </p:stCondLst>
+                                  <p:childTnLst>
+                                    <p:set>
+                                      <p:cBhvr>
+                                        <p:cTn id="43" dur="1" fill="hold">
+                                          <p:stCondLst>
+                                            <p:cond delay="0"/>
+                                          </p:stCondLst>
+                                        </p:cTn>
+                                        <p:tgtEl>
+                                          <p:spTgt spid="3">
+                                            <p:txEl>
+                                              <p:pRg st="6" end="6"/>
+                                            </p:txEl>
+                                          </p:spTgt>
+                                        </p:tgtEl>
+                                        <p:attrNameLst>
+                                          <p:attrName>style.visibility</p:attrName>
+                                        </p:attrNameLst>
+                                      </p:cBhvr>
+                                      <p:to>
+                                        <p:strVal val="visible"/>
+                                      </p:to>
+                                    </p:set>
+                                    <p:animEffect transition="in" filter="fade">
+                                      <p:cBhvr>
+                                        <p:cTn id="44" dur="500"/>
+                                        <p:tgtEl>
+                                          <p:spTgt spid="3">
+                                            <p:txEl>
+                                              <p:pRg st="6" end="6"/>
+                                            </p:txEl>
+                                          </p:spTgt>
+                                        </p:tgtEl>
+                                      </p:cBhvr>
+                                    </p:animEffect>
+                                  </p:childTnLst>
+                                </p:cTn>
+                              </p:par>
+                            </p:childTnLst>
+                          </p:cTn>
+                        </p:par>
+                      </p:childTnLst>
+                    </p:cTn>
+                  </p:par>
+                  <p:par>
+                    <p:cTn id="45" fill="hold">
+                      <p:stCondLst>
+                        <p:cond delay="indefinite"/>
+                      </p:stCondLst>
+                      <p:childTnLst>
+                        <p:par>
+                          <p:cTn id="46" fill="hold">
+                            <p:stCondLst>
+                              <p:cond delay="0"/>
+                            </p:stCondLst>
+                            <p:childTnLst>
+                              <p:par>
+                                <p:cTn id="47" presetID="10" presetClass="entr" presetSubtype="0" fill="hold" grpId="0" nodeType="clickEffect">
+                                  <p:stCondLst>
+                                    <p:cond delay="0"/>
+                                  </p:stCondLst>
+                                  <p:childTnLst>
+                                    <p:set>
+                                      <p:cBhvr>
+                                        <p:cTn id="48" dur="1" fill="hold">
+                                          <p:stCondLst>
+                                            <p:cond delay="0"/>
+                                          </p:stCondLst>
+                                        </p:cTn>
+                                        <p:tgtEl>
+                                          <p:spTgt spid="3">
+                                            <p:txEl>
+                                              <p:pRg st="7" end="7"/>
+                                            </p:txEl>
+                                          </p:spTgt>
+                                        </p:tgtEl>
+                                        <p:attrNameLst>
+                                          <p:attrName>style.visibility</p:attrName>
+                                        </p:attrNameLst>
+                                      </p:cBhvr>
+                                      <p:to>
+                                        <p:strVal val="visible"/>
+                                      </p:to>
+                                    </p:set>
+                                    <p:animEffect transition="in" filter="fade">
+                                      <p:cBhvr>
+                                        <p:cTn id="49" dur="500"/>
+                                        <p:tgtEl>
+                                          <p:spTgt spid="3">
+                                            <p:txEl>
+                                              <p:pRg st="7" end="7"/>
+                                            </p:txEl>
+                                          </p:spTgt>
+                                        </p:tgtEl>
+                                      </p:cBhvr>
+                                    </p:animEffect>
+                                  </p:childTnLst>
+                                </p:cTn>
+                              </p:par>
+                            </p:childTnLst>
+                          </p:cTn>
+                        </p:par>
+                      </p:childTnLst>
+                    </p:cTn>
+                  </p:par>
+                  <p:par>
+                    <p:cTn id="50" fill="hold">
+                      <p:stCondLst>
+                        <p:cond delay="indefinite"/>
+                      </p:stCondLst>
+                      <p:childTnLst>
+                        <p:par>
+                          <p:cTn id="51" fill="hold">
+                            <p:stCondLst>
+                              <p:cond delay="0"/>
+                            </p:stCondLst>
+                            <p:childTnLst>
+                              <p:par>
+                                <p:cTn id="52" presetID="10" presetClass="entr" presetSubtype="0" fill="hold" grpId="0" nodeType="clickEffect">
+                                  <p:stCondLst>
+                                    <p:cond delay="0"/>
+                                  </p:stCondLst>
+                                  <p:childTnLst>
+                                    <p:set>
+                                      <p:cBhvr>
+                                        <p:cTn id="53" dur="1" fill="hold">
+                                          <p:stCondLst>
+                                            <p:cond delay="0"/>
+                                          </p:stCondLst>
+                                        </p:cTn>
+                                        <p:tgtEl>
+                                          <p:spTgt spid="3">
+                                            <p:txEl>
+                                              <p:pRg st="8" end="8"/>
+                                            </p:txEl>
+                                          </p:spTgt>
+                                        </p:tgtEl>
+                                        <p:attrNameLst>
+                                          <p:attrName>style.visibility</p:attrName>
+                                        </p:attrNameLst>
+                                      </p:cBhvr>
+                                      <p:to>
+                                        <p:strVal val="visible"/>
+                                      </p:to>
+                                    </p:set>
+                                    <p:animEffect transition="in" filter="fade">
+                                      <p:cBhvr>
+                                        <p:cTn id="54" dur="500"/>
+                                        <p:tgtEl>
+                                          <p:spTgt spid="3">
+                                            <p:txEl>
+                                              <p:pRg st="8" end="8"/>
+                                            </p:txEl>
+                                          </p:spTgt>
+                                        </p:tgtEl>
+                                      </p:cBhvr>
+                                    </p:animEffect>
+                                  </p:childTnLst>
+                                </p:cTn>
+                              </p:par>
+                            </p:childTnLst>
+                          </p:cTn>
+                        </p:par>
+                      </p:childTnLst>
+                    </p:cTn>
+                  </p:par>
+                  <p:par>
+                    <p:cTn id="55" fill="hold">
+                      <p:stCondLst>
+                        <p:cond delay="indefinite"/>
+                      </p:stCondLst>
+                      <p:childTnLst>
+                        <p:par>
+                          <p:cTn id="56" fill="hold">
+                            <p:stCondLst>
+                              <p:cond delay="0"/>
+                            </p:stCondLst>
+                            <p:childTnLst>
+                              <p:par>
+                                <p:cTn id="57" presetID="10" presetClass="entr" presetSubtype="0" fill="hold" grpId="0" nodeType="clickEffect">
+                                  <p:stCondLst>
+                                    <p:cond delay="0"/>
+                                  </p:stCondLst>
+                                  <p:childTnLst>
+                                    <p:set>
+                                      <p:cBhvr>
+                                        <p:cTn id="58" dur="1" fill="hold">
+                                          <p:stCondLst>
+                                            <p:cond delay="0"/>
+                                          </p:stCondLst>
+                                        </p:cTn>
+                                        <p:tgtEl>
+                                          <p:spTgt spid="3">
+                                            <p:txEl>
+                                              <p:pRg st="9" end="9"/>
+                                            </p:txEl>
+                                          </p:spTgt>
+                                        </p:tgtEl>
+                                        <p:attrNameLst>
+                                          <p:attrName>style.visibility</p:attrName>
+                                        </p:attrNameLst>
+                                      </p:cBhvr>
+                                      <p:to>
+                                        <p:strVal val="visible"/>
+                                      </p:to>
+                                    </p:set>
+                                    <p:animEffect transition="in" filter="fade">
+                                      <p:cBhvr>
+                                        <p:cTn id="59" dur="500"/>
+                                        <p:tgtEl>
+                                          <p:spTgt spid="3">
+                                            <p:txEl>
+                                              <p:pRg st="9" end="9"/>
+                                            </p:txEl>
+                                          </p:spTgt>
+                                        </p:tgtEl>
+                                      </p:cBhvr>
+                                    </p:animEffect>
+                                  </p:childTnLst>
+                                </p:cTn>
+                              </p:par>
+                            </p:childTnLst>
+                          </p:cTn>
+                        </p:par>
+                      </p:childTnLst>
+                    </p:cTn>
+                  </p:par>
+                  <p:par>
+                    <p:cTn id="60" fill="hold">
+                      <p:stCondLst>
+                        <p:cond delay="indefinite"/>
+                      </p:stCondLst>
+                      <p:childTnLst>
+                        <p:par>
+                          <p:cTn id="61" fill="hold">
+                            <p:stCondLst>
+                              <p:cond delay="0"/>
+                            </p:stCondLst>
+                            <p:childTnLst>
+                              <p:par>
+                                <p:cTn id="62" presetID="10" presetClass="entr" presetSubtype="0" fill="hold" grpId="0" nodeType="clickEffect">
+                                  <p:stCondLst>
+                                    <p:cond delay="0"/>
+                                  </p:stCondLst>
+                                  <p:childTnLst>
+                                    <p:set>
+                                      <p:cBhvr>
+                                        <p:cTn id="63" dur="1" fill="hold">
+                                          <p:stCondLst>
+                                            <p:cond delay="0"/>
+                                          </p:stCondLst>
+                                        </p:cTn>
+                                        <p:tgtEl>
+                                          <p:spTgt spid="3">
+                                            <p:txEl>
+                                              <p:pRg st="10" end="10"/>
+                                            </p:txEl>
+                                          </p:spTgt>
+                                        </p:tgtEl>
+                                        <p:attrNameLst>
+                                          <p:attrName>style.visibility</p:attrName>
+                                        </p:attrNameLst>
+                                      </p:cBhvr>
+                                      <p:to>
+                                        <p:strVal val="visible"/>
+                                      </p:to>
+                                    </p:set>
+                                    <p:animEffect transition="in" filter="fade">
+                                      <p:cBhvr>
+                                        <p:cTn id="64" dur="500"/>
+                                        <p:tgtEl>
+                                          <p:spTgt spid="3">
+                                            <p:txEl>
+                                              <p:pRg st="10" end="10"/>
+                                            </p:txEl>
+                                          </p:spTgt>
+                                        </p:tgtEl>
+                                      </p:cBhvr>
+                                    </p:animEffect>
+                                  </p:childTnLst>
+                                </p:cTn>
+                              </p:par>
+                            </p:childTnLst>
+                          </p:cTn>
+                        </p:par>
+                      </p:childTnLst>
+                    </p:cTn>
+                  </p:par>
+                </p:childTnLst>
+              </p:cTn>
+              <p:prevCondLst>
+                <p:cond evt="onPrev" delay="0">
+                  <p:tgtEl>
+                    <p:sldTgt/>
+                  </p:tgtEl>
+                </p:cond>
+              </p:prevCondLst>
+              <p:nextCondLst>
+                <p:cond evt="onNext" delay="0">
+                  <p:tgtEl>
+                    <p:sldTgt/>
+                  </p:tgtEl>
+                </p:cond>
+              </p:nextCondLst>
+            </p:seq>
+          </p:childTnLst>
+        </p:cTn>
+      </p:par>
+    </p:tnLst>
+    <p:bldLst>
+      <p:bldP spid="2" grpId="0"/>
+      <p:bldP spid="3" grpId="0" uiExpand="1" build="p" bldLvl="2"/>
+    </p:bldLst>
+  </p:timing>
 </p:sld>
 </file>
 
-<file path=ppt/slides/slide6.xml><?xml version="1.0" encoding="utf-8"?>
+<file path=ppt/slides/slide4.xml><?xml version="1.0" encoding="utf-8"?>
 <p:sld xmlns:a="http://schemas.openxmlformats.org/drawingml/2006/main" xmlns:r="http://schemas.openxmlformats.org/officeDocument/2006/relationships" xmlns:p="http://schemas.openxmlformats.org/presentationml/2006/main">
   <p:cSld>
+    <p:bg>
+      <p:bgPr>
+        <a:solidFill>
+          <a:schemeClr val="bg1"/>
+        </a:solidFill>
+        <a:effectLst/>
+      </p:bgPr>
+    </p:bg>
     <p:spTree>
       <p:nvGrpSpPr>
         <p:cNvPr id="1" name=""/>
@@ -4493,10 +5607,133 @@
       </p:grpSpPr>
       <p:sp>
         <p:nvSpPr>
+          <p:cNvPr id="19" name="Rectangle 14">
+            <a:extLst>
+              <a:ext uri="{FF2B5EF4-FFF2-40B4-BE49-F238E27FC236}">
+                <a16:creationId xmlns:a16="http://schemas.microsoft.com/office/drawing/2014/main" id="{A4AC5506-6312-4701-8D3C-40187889A947}"/>
+              </a:ext>
+              <a:ext uri="{C183D7F6-B498-43B3-948B-1728B52AA6E4}">
+                <adec:decorative xmlns:adec="http://schemas.microsoft.com/office/drawing/2017/decorative" val="1"/>
+              </a:ext>
+            </a:extLst>
+          </p:cNvPr>
+          <p:cNvSpPr>
+            <a:spLocks noGrp="1" noRot="1" noChangeAspect="1" noMove="1" noResize="1" noEditPoints="1" noAdjustHandles="1" noChangeArrowheads="1" noChangeShapeType="1" noTextEdit="1"/>
+          </p:cNvSpPr>
+          <p:nvPr>
+            <p:extLst>
+              <p:ext uri="{386F3935-93C4-4BCD-93E2-E3B085C9AB24}">
+                <p16:designElem xmlns:p16="http://schemas.microsoft.com/office/powerpoint/2015/main" val="1"/>
+              </p:ext>
+            </p:extLst>
+          </p:nvPr>
+        </p:nvSpPr>
+        <p:spPr>
+          <a:xfrm>
+            <a:off x="0" y="651752"/>
+            <a:ext cx="12192000" cy="736551"/>
+          </a:xfrm>
+          <a:prstGeom prst="rect">
+            <a:avLst/>
+          </a:prstGeom>
+          <a:solidFill>
+            <a:schemeClr val="tx1"/>
+          </a:solidFill>
+          <a:ln>
+            <a:noFill/>
+          </a:ln>
+        </p:spPr>
+        <p:style>
+          <a:lnRef idx="2">
+            <a:schemeClr val="accent1">
+              <a:shade val="50000"/>
+            </a:schemeClr>
+          </a:lnRef>
+          <a:fillRef idx="1">
+            <a:schemeClr val="accent1"/>
+          </a:fillRef>
+          <a:effectRef idx="0">
+            <a:schemeClr val="accent1"/>
+          </a:effectRef>
+          <a:fontRef idx="minor">
+            <a:schemeClr val="lt1"/>
+          </a:fontRef>
+        </p:style>
+        <p:txBody>
+          <a:bodyPr rtlCol="0" anchor="ctr"/>
+          <a:lstStyle/>
+          <a:p>
+            <a:pPr algn="ctr"/>
+            <a:endParaRPr lang="en-US"/>
+          </a:p>
+        </p:txBody>
+      </p:sp>
+      <p:sp>
+        <p:nvSpPr>
+          <p:cNvPr id="5" name="Rectangle 4">
+            <a:extLst>
+              <a:ext uri="{FF2B5EF4-FFF2-40B4-BE49-F238E27FC236}">
+                <a16:creationId xmlns:a16="http://schemas.microsoft.com/office/drawing/2014/main" id="{C0F79BE7-B150-4D83-909C-F1D62BE6D712}"/>
+              </a:ext>
+            </a:extLst>
+          </p:cNvPr>
+          <p:cNvSpPr/>
+          <p:nvPr/>
+        </p:nvSpPr>
+        <p:spPr>
+          <a:xfrm>
+            <a:off x="9236" y="-3176"/>
+            <a:ext cx="12182764" cy="539663"/>
+          </a:xfrm>
+          <a:prstGeom prst="rect">
+            <a:avLst/>
+          </a:prstGeom>
+          <a:solidFill>
+            <a:schemeClr val="tx1">
+              <a:lumMod val="85000"/>
+              <a:lumOff val="15000"/>
+            </a:schemeClr>
+          </a:solidFill>
+          <a:ln w="28575">
+            <a:solidFill>
+              <a:schemeClr val="tx1">
+                <a:lumMod val="95000"/>
+                <a:lumOff val="5000"/>
+              </a:schemeClr>
+            </a:solidFill>
+          </a:ln>
+        </p:spPr>
+        <p:style>
+          <a:lnRef idx="2">
+            <a:schemeClr val="accent1">
+              <a:shade val="50000"/>
+            </a:schemeClr>
+          </a:lnRef>
+          <a:fillRef idx="1">
+            <a:schemeClr val="accent1"/>
+          </a:fillRef>
+          <a:effectRef idx="0">
+            <a:schemeClr val="accent1"/>
+          </a:effectRef>
+          <a:fontRef idx="minor">
+            <a:schemeClr val="lt1"/>
+          </a:fontRef>
+        </p:style>
+        <p:txBody>
+          <a:bodyPr rtlCol="0" anchor="ctr"/>
+          <a:lstStyle/>
+          <a:p>
+            <a:pPr algn="ctr"/>
+            <a:endParaRPr lang="en-US" dirty="0"/>
+          </a:p>
+        </p:txBody>
+      </p:sp>
+      <p:sp>
+        <p:nvSpPr>
           <p:cNvPr id="2" name="Title 1">
             <a:extLst>
               <a:ext uri="{FF2B5EF4-FFF2-40B4-BE49-F238E27FC236}">
-                <a16:creationId xmlns:a16="http://schemas.microsoft.com/office/drawing/2014/main" id="{85548C50-B623-483A-81F2-D610B3837B04}"/>
+                <a16:creationId xmlns:a16="http://schemas.microsoft.com/office/drawing/2014/main" id="{B115EF79-EB14-47AE-9BB3-72A2B9CD0C4D}"/>
               </a:ext>
             </a:extLst>
           </p:cNvPr>
@@ -4507,79 +5744,426 @@
             <p:ph type="title"/>
           </p:nvPr>
         </p:nvSpPr>
-        <p:spPr/>
-        <p:txBody>
-          <a:bodyPr/>
+        <p:spPr>
+          <a:xfrm>
+            <a:off x="416647" y="-85583"/>
+            <a:ext cx="11210925" cy="744836"/>
+          </a:xfrm>
+        </p:spPr>
+        <p:txBody>
+          <a:bodyPr vert="horz" lIns="91440" tIns="45720" rIns="91440" bIns="45720" rtlCol="0" anchor="ctr">
+            <a:normAutofit/>
+          </a:bodyPr>
           <a:lstStyle/>
           <a:p>
-            <a:r>
-              <a:rPr lang="en-US" dirty="0"/>
-              <a:t>Distinctive Aspects </a:t>
-            </a:r>
-            <a:r>
-              <a:rPr lang="en-US" dirty="0" err="1"/>
-              <a:t>pt</a:t>
-            </a:r>
-            <a:r>
-              <a:rPr lang="en-US" dirty="0"/>
-              <a:t> 2</a:t>
-            </a:r>
-          </a:p>
-        </p:txBody>
-      </p:sp>
-      <p:sp>
-        <p:nvSpPr>
-          <p:cNvPr id="3" name="Content Placeholder 2">
-            <a:extLst>
-              <a:ext uri="{FF2B5EF4-FFF2-40B4-BE49-F238E27FC236}">
-                <a16:creationId xmlns:a16="http://schemas.microsoft.com/office/drawing/2014/main" id="{8F9DB4D5-3D19-4E64-AA49-A5632F901191}"/>
-              </a:ext>
-            </a:extLst>
-          </p:cNvPr>
-          <p:cNvSpPr>
-            <a:spLocks noGrp="1"/>
-          </p:cNvSpPr>
+            <a:pPr algn="ctr"/>
+            <a:r>
+              <a:rPr lang="en-US" sz="2800" kern="1200" dirty="0">
+                <a:solidFill>
+                  <a:schemeClr val="bg1"/>
+                </a:solidFill>
+                <a:latin typeface="+mj-lt"/>
+                <a:ea typeface="+mj-ea"/>
+                <a:cs typeface="+mj-cs"/>
+              </a:rPr>
+              <a:t>Class Hierarchy Diagram </a:t>
+            </a:r>
+          </a:p>
+        </p:txBody>
+      </p:sp>
+      <p:sp>
+        <p:nvSpPr>
+          <p:cNvPr id="30" name="Rectangle 29">
+            <a:extLst>
+              <a:ext uri="{FF2B5EF4-FFF2-40B4-BE49-F238E27FC236}">
+                <a16:creationId xmlns:a16="http://schemas.microsoft.com/office/drawing/2014/main" id="{E70E1D03-5321-43A9-92AD-0FCB03559EEA}"/>
+              </a:ext>
+            </a:extLst>
+          </p:cNvPr>
+          <p:cNvSpPr/>
+          <p:nvPr/>
+        </p:nvSpPr>
+        <p:spPr>
+          <a:xfrm>
+            <a:off x="0" y="618894"/>
+            <a:ext cx="12192000" cy="1217172"/>
+          </a:xfrm>
+          <a:prstGeom prst="rect">
+            <a:avLst/>
+          </a:prstGeom>
+          <a:solidFill>
+            <a:schemeClr val="bg1"/>
+          </a:solidFill>
+          <a:ln>
+            <a:solidFill>
+              <a:schemeClr val="bg1"/>
+            </a:solidFill>
+          </a:ln>
+        </p:spPr>
+        <p:style>
+          <a:lnRef idx="2">
+            <a:schemeClr val="accent1">
+              <a:shade val="50000"/>
+            </a:schemeClr>
+          </a:lnRef>
+          <a:fillRef idx="1">
+            <a:schemeClr val="accent1"/>
+          </a:fillRef>
+          <a:effectRef idx="0">
+            <a:schemeClr val="accent1"/>
+          </a:effectRef>
+          <a:fontRef idx="minor">
+            <a:schemeClr val="lt1"/>
+          </a:fontRef>
+        </p:style>
+        <p:txBody>
+          <a:bodyPr rtlCol="0" anchor="ctr"/>
+          <a:lstStyle/>
+          <a:p>
+            <a:pPr algn="ctr"/>
+            <a:endParaRPr lang="en-US"/>
+          </a:p>
+        </p:txBody>
+      </p:sp>
+      <p:pic>
+        <p:nvPicPr>
+          <p:cNvPr id="7" name="Content Placeholder 3">
+            <a:extLst>
+              <a:ext uri="{FF2B5EF4-FFF2-40B4-BE49-F238E27FC236}">
+                <a16:creationId xmlns:a16="http://schemas.microsoft.com/office/drawing/2014/main" id="{4F7229B2-51BA-4CB4-B842-A9A72D14BC00}"/>
+              </a:ext>
+            </a:extLst>
+          </p:cNvPr>
+          <p:cNvPicPr>
+            <a:picLocks noGrp="1" noChangeAspect="1"/>
+          </p:cNvPicPr>
           <p:nvPr>
             <p:ph idx="1"/>
           </p:nvPr>
-        </p:nvSpPr>
-        <p:spPr/>
-        <p:txBody>
-          <a:bodyPr/>
-          <a:lstStyle/>
-          <a:p>
-            <a:endParaRPr lang="en-US"/>
-          </a:p>
-        </p:txBody>
-      </p:sp>
+        </p:nvPicPr>
+        <p:blipFill>
+          <a:blip r:embed="rId2"/>
+          <a:stretch>
+            <a:fillRect/>
+          </a:stretch>
+        </p:blipFill>
+        <p:spPr>
+          <a:xfrm>
+            <a:off x="24961" y="536487"/>
+            <a:ext cx="12142077" cy="6283524"/>
+          </a:xfrm>
+          <a:prstGeom prst="rect">
+            <a:avLst/>
+          </a:prstGeom>
+          <a:ln w="28575" cap="sq">
+            <a:solidFill>
+              <a:srgbClr val="000000"/>
+            </a:solidFill>
+            <a:prstDash val="solid"/>
+            <a:miter lim="800000"/>
+          </a:ln>
+          <a:effectLst>
+            <a:outerShdw blurRad="50800" dist="38100" dir="2700000" algn="tl" rotWithShape="0">
+              <a:srgbClr val="000000">
+                <a:alpha val="43000"/>
+              </a:srgbClr>
+            </a:outerShdw>
+          </a:effectLst>
+        </p:spPr>
+      </p:pic>
+      <p:pic>
+        <p:nvPicPr>
+          <p:cNvPr id="28" name="Picture 27">
+            <a:extLst>
+              <a:ext uri="{FF2B5EF4-FFF2-40B4-BE49-F238E27FC236}">
+                <a16:creationId xmlns:a16="http://schemas.microsoft.com/office/drawing/2014/main" id="{3A9BB073-525F-43C9-A07C-FE2DF8110888}"/>
+              </a:ext>
+            </a:extLst>
+          </p:cNvPr>
+          <p:cNvPicPr>
+            <a:picLocks noChangeAspect="1"/>
+          </p:cNvPicPr>
+          <p:nvPr/>
+        </p:nvPicPr>
+        <p:blipFill>
+          <a:blip r:embed="rId3">
+            <a:extLst>
+              <a:ext uri="{28A0092B-C50C-407E-A947-70E740481C1C}">
+                <a14:useLocalDpi xmlns:a14="http://schemas.microsoft.com/office/drawing/2010/main" val="0"/>
+              </a:ext>
+            </a:extLst>
+          </a:blip>
+          <a:stretch>
+            <a:fillRect/>
+          </a:stretch>
+        </p:blipFill>
+        <p:spPr>
+          <a:xfrm>
+            <a:off x="24961" y="5080124"/>
+            <a:ext cx="12142077" cy="1739887"/>
+          </a:xfrm>
+          <a:prstGeom prst="rect">
+            <a:avLst/>
+          </a:prstGeom>
+        </p:spPr>
+      </p:pic>
     </p:spTree>
     <p:extLst>
       <p:ext uri="{BB962C8B-B14F-4D97-AF65-F5344CB8AC3E}">
-        <p14:creationId xmlns:p14="http://schemas.microsoft.com/office/powerpoint/2010/main" val="293308313"/>
+        <p14:creationId xmlns:p14="http://schemas.microsoft.com/office/powerpoint/2010/main" val="2722061198"/>
       </p:ext>
     </p:extLst>
   </p:cSld>
   <p:clrMapOvr>
     <a:masterClrMapping/>
   </p:clrMapOvr>
-  <mc:AlternateContent xmlns:mc="http://schemas.openxmlformats.org/markup-compatibility/2006">
-    <mc:Choice xmlns:p14="http://schemas.microsoft.com/office/powerpoint/2010/main" Requires="p14">
-      <p:transition spd="med" p14:dur="700">
-        <p:fade/>
-      </p:transition>
-    </mc:Choice>
-    <mc:Fallback>
-      <p:transition spd="med">
-        <p:fade/>
-      </p:transition>
-    </mc:Fallback>
-  </mc:AlternateContent>
+  <p:transition spd="med">
+    <p:pull/>
+  </p:transition>
+  <p:timing>
+    <p:tnLst>
+      <p:par>
+        <p:cTn id="1" dur="indefinite" restart="never" nodeType="tmRoot">
+          <p:childTnLst>
+            <p:seq concurrent="1" nextAc="seek">
+              <p:cTn id="2" dur="indefinite" nodeType="mainSeq">
+                <p:childTnLst>
+                  <p:par>
+                    <p:cTn id="3" fill="hold">
+                      <p:stCondLst>
+                        <p:cond delay="indefinite"/>
+                      </p:stCondLst>
+                      <p:childTnLst>
+                        <p:par>
+                          <p:cTn id="4" fill="hold">
+                            <p:stCondLst>
+                              <p:cond delay="0"/>
+                            </p:stCondLst>
+                            <p:childTnLst>
+                              <p:par>
+                                <p:cTn id="5" presetID="6" presetClass="entr" presetSubtype="16" fill="hold" grpId="0" nodeType="clickEffect">
+                                  <p:stCondLst>
+                                    <p:cond delay="0"/>
+                                  </p:stCondLst>
+                                  <p:childTnLst>
+                                    <p:set>
+                                      <p:cBhvr>
+                                        <p:cTn id="6" dur="1" fill="hold">
+                                          <p:stCondLst>
+                                            <p:cond delay="0"/>
+                                          </p:stCondLst>
+                                        </p:cTn>
+                                        <p:tgtEl>
+                                          <p:spTgt spid="2"/>
+                                        </p:tgtEl>
+                                        <p:attrNameLst>
+                                          <p:attrName>style.visibility</p:attrName>
+                                        </p:attrNameLst>
+                                      </p:cBhvr>
+                                      <p:to>
+                                        <p:strVal val="visible"/>
+                                      </p:to>
+                                    </p:set>
+                                    <p:animEffect transition="in" filter="circle(in)">
+                                      <p:cBhvr>
+                                        <p:cTn id="7" dur="800"/>
+                                        <p:tgtEl>
+                                          <p:spTgt spid="2"/>
+                                        </p:tgtEl>
+                                      </p:cBhvr>
+                                    </p:animEffect>
+                                  </p:childTnLst>
+                                </p:cTn>
+                              </p:par>
+                            </p:childTnLst>
+                          </p:cTn>
+                        </p:par>
+                      </p:childTnLst>
+                    </p:cTn>
+                  </p:par>
+                  <p:par>
+                    <p:cTn id="8" fill="hold">
+                      <p:stCondLst>
+                        <p:cond delay="indefinite"/>
+                      </p:stCondLst>
+                      <p:childTnLst>
+                        <p:par>
+                          <p:cTn id="9" fill="hold">
+                            <p:stCondLst>
+                              <p:cond delay="0"/>
+                            </p:stCondLst>
+                            <p:childTnLst>
+                              <p:par>
+                                <p:cTn id="10" presetID="10" presetClass="entr" presetSubtype="0" fill="hold" nodeType="clickEffect">
+                                  <p:stCondLst>
+                                    <p:cond delay="0"/>
+                                  </p:stCondLst>
+                                  <p:childTnLst>
+                                    <p:set>
+                                      <p:cBhvr>
+                                        <p:cTn id="11" dur="1" fill="hold">
+                                          <p:stCondLst>
+                                            <p:cond delay="0"/>
+                                          </p:stCondLst>
+                                        </p:cTn>
+                                        <p:tgtEl>
+                                          <p:spTgt spid="7"/>
+                                        </p:tgtEl>
+                                        <p:attrNameLst>
+                                          <p:attrName>style.visibility</p:attrName>
+                                        </p:attrNameLst>
+                                      </p:cBhvr>
+                                      <p:to>
+                                        <p:strVal val="visible"/>
+                                      </p:to>
+                                    </p:set>
+                                    <p:animEffect transition="in" filter="fade">
+                                      <p:cBhvr>
+                                        <p:cTn id="12" dur="500"/>
+                                        <p:tgtEl>
+                                          <p:spTgt spid="7"/>
+                                        </p:tgtEl>
+                                      </p:cBhvr>
+                                    </p:animEffect>
+                                  </p:childTnLst>
+                                </p:cTn>
+                              </p:par>
+                            </p:childTnLst>
+                          </p:cTn>
+                        </p:par>
+                      </p:childTnLst>
+                    </p:cTn>
+                  </p:par>
+                  <p:par>
+                    <p:cTn id="13" fill="hold">
+                      <p:stCondLst>
+                        <p:cond delay="indefinite"/>
+                      </p:stCondLst>
+                      <p:childTnLst>
+                        <p:par>
+                          <p:cTn id="14" fill="hold">
+                            <p:stCondLst>
+                              <p:cond delay="0"/>
+                            </p:stCondLst>
+                            <p:childTnLst>
+                              <p:par>
+                                <p:cTn id="15" presetID="2" presetClass="entr" presetSubtype="4" fill="hold" nodeType="clickEffect">
+                                  <p:stCondLst>
+                                    <p:cond delay="0"/>
+                                  </p:stCondLst>
+                                  <p:childTnLst>
+                                    <p:set>
+                                      <p:cBhvr>
+                                        <p:cTn id="16" dur="1" fill="hold">
+                                          <p:stCondLst>
+                                            <p:cond delay="0"/>
+                                          </p:stCondLst>
+                                        </p:cTn>
+                                        <p:tgtEl>
+                                          <p:spTgt spid="28"/>
+                                        </p:tgtEl>
+                                        <p:attrNameLst>
+                                          <p:attrName>style.visibility</p:attrName>
+                                        </p:attrNameLst>
+                                      </p:cBhvr>
+                                      <p:to>
+                                        <p:strVal val="visible"/>
+                                      </p:to>
+                                    </p:set>
+                                    <p:anim calcmode="lin" valueType="num">
+                                      <p:cBhvr additive="base">
+                                        <p:cTn id="17" dur="500" fill="hold"/>
+                                        <p:tgtEl>
+                                          <p:spTgt spid="28"/>
+                                        </p:tgtEl>
+                                        <p:attrNameLst>
+                                          <p:attrName>ppt_x</p:attrName>
+                                        </p:attrNameLst>
+                                      </p:cBhvr>
+                                      <p:tavLst>
+                                        <p:tav tm="0">
+                                          <p:val>
+                                            <p:strVal val="#ppt_x"/>
+                                          </p:val>
+                                        </p:tav>
+                                        <p:tav tm="100000">
+                                          <p:val>
+                                            <p:strVal val="#ppt_x"/>
+                                          </p:val>
+                                        </p:tav>
+                                      </p:tavLst>
+                                    </p:anim>
+                                    <p:anim calcmode="lin" valueType="num">
+                                      <p:cBhvr additive="base">
+                                        <p:cTn id="18" dur="500" fill="hold"/>
+                                        <p:tgtEl>
+                                          <p:spTgt spid="28"/>
+                                        </p:tgtEl>
+                                        <p:attrNameLst>
+                                          <p:attrName>ppt_y</p:attrName>
+                                        </p:attrNameLst>
+                                      </p:cBhvr>
+                                      <p:tavLst>
+                                        <p:tav tm="0">
+                                          <p:val>
+                                            <p:strVal val="1+#ppt_h/2"/>
+                                          </p:val>
+                                        </p:tav>
+                                        <p:tav tm="100000">
+                                          <p:val>
+                                            <p:strVal val="#ppt_y"/>
+                                          </p:val>
+                                        </p:tav>
+                                      </p:tavLst>
+                                    </p:anim>
+                                  </p:childTnLst>
+                                </p:cTn>
+                              </p:par>
+                            </p:childTnLst>
+                          </p:cTn>
+                        </p:par>
+                      </p:childTnLst>
+                    </p:cTn>
+                  </p:par>
+                </p:childTnLst>
+              </p:cTn>
+              <p:prevCondLst>
+                <p:cond evt="onPrev" delay="0">
+                  <p:tgtEl>
+                    <p:sldTgt/>
+                  </p:tgtEl>
+                </p:cond>
+              </p:prevCondLst>
+              <p:nextCondLst>
+                <p:cond evt="onNext" delay="0">
+                  <p:tgtEl>
+                    <p:sldTgt/>
+                  </p:tgtEl>
+                </p:cond>
+              </p:nextCondLst>
+            </p:seq>
+          </p:childTnLst>
+        </p:cTn>
+      </p:par>
+    </p:tnLst>
+    <p:bldLst>
+      <p:bldP spid="2" grpId="0"/>
+    </p:bldLst>
+  </p:timing>
 </p:sld>
 </file>
 
-<file path=ppt/slides/slide7.xml><?xml version="1.0" encoding="utf-8"?>
+<file path=ppt/slides/slide5.xml><?xml version="1.0" encoding="utf-8"?>
 <p:sld xmlns:a="http://schemas.openxmlformats.org/drawingml/2006/main" xmlns:r="http://schemas.openxmlformats.org/officeDocument/2006/relationships" xmlns:p="http://schemas.openxmlformats.org/presentationml/2006/main">
   <p:cSld>
+    <p:bg>
+      <p:bgPr>
+        <a:solidFill>
+          <a:schemeClr val="bg1"/>
+        </a:solidFill>
+        <a:effectLst/>
+      </p:bgPr>
+    </p:bg>
     <p:spTree>
       <p:nvGrpSpPr>
         <p:cNvPr id="1" name=""/>
@@ -4596,9 +6180,1280 @@
       </p:grpSpPr>
       <p:sp>
         <p:nvSpPr>
+          <p:cNvPr id="15" name="Rectangle 8">
+            <a:extLst>
+              <a:ext uri="{FF2B5EF4-FFF2-40B4-BE49-F238E27FC236}">
+                <a16:creationId xmlns:a16="http://schemas.microsoft.com/office/drawing/2014/main" id="{6753252F-4873-4F63-801D-CC719279A7D5}"/>
+              </a:ext>
+              <a:ext uri="{C183D7F6-B498-43B3-948B-1728B52AA6E4}">
+                <adec:decorative xmlns:adec="http://schemas.microsoft.com/office/drawing/2017/decorative" val="1"/>
+              </a:ext>
+            </a:extLst>
+          </p:cNvPr>
+          <p:cNvSpPr>
+            <a:spLocks noGrp="1" noRot="1" noChangeAspect="1" noMove="1" noResize="1" noEditPoints="1" noAdjustHandles="1" noChangeArrowheads="1" noChangeShapeType="1" noTextEdit="1"/>
+          </p:cNvSpPr>
+          <p:nvPr>
+            <p:extLst>
+              <p:ext uri="{386F3935-93C4-4BCD-93E2-E3B085C9AB24}">
+                <p16:designElem xmlns:p16="http://schemas.microsoft.com/office/powerpoint/2015/main" val="1"/>
+              </p:ext>
+            </p:extLst>
+          </p:nvPr>
+        </p:nvSpPr>
+        <p:spPr>
+          <a:xfrm>
+            <a:off x="0" y="0"/>
+            <a:ext cx="12192000" cy="6858000"/>
+          </a:xfrm>
+          <a:prstGeom prst="rect">
+            <a:avLst/>
+          </a:prstGeom>
+          <a:solidFill>
+            <a:srgbClr val="FFFFFF"/>
+          </a:solidFill>
+          <a:ln>
+            <a:noFill/>
+          </a:ln>
+        </p:spPr>
+        <p:style>
+          <a:lnRef idx="2">
+            <a:schemeClr val="accent1">
+              <a:shade val="50000"/>
+            </a:schemeClr>
+          </a:lnRef>
+          <a:fillRef idx="1">
+            <a:schemeClr val="accent1"/>
+          </a:fillRef>
+          <a:effectRef idx="0">
+            <a:schemeClr val="accent1"/>
+          </a:effectRef>
+          <a:fontRef idx="minor">
+            <a:schemeClr val="lt1"/>
+          </a:fontRef>
+        </p:style>
+        <p:txBody>
+          <a:bodyPr rtlCol="0" anchor="ctr"/>
+          <a:lstStyle/>
+          <a:p>
+            <a:pPr algn="ctr"/>
+            <a:endParaRPr lang="en-US"/>
+          </a:p>
+        </p:txBody>
+      </p:sp>
+      <p:pic>
+        <p:nvPicPr>
+          <p:cNvPr id="4" name="Picture 3">
+            <a:extLst>
+              <a:ext uri="{FF2B5EF4-FFF2-40B4-BE49-F238E27FC236}">
+                <a16:creationId xmlns:a16="http://schemas.microsoft.com/office/drawing/2014/main" id="{5B033D99-E79D-44E1-A49E-7618802A9D3F}"/>
+              </a:ext>
+            </a:extLst>
+          </p:cNvPr>
+          <p:cNvPicPr>
+            <a:picLocks noChangeAspect="1"/>
+          </p:cNvPicPr>
+          <p:nvPr/>
+        </p:nvPicPr>
+        <p:blipFill rotWithShape="1">
+          <a:blip r:embed="rId2"/>
+          <a:srcRect l="353"/>
+          <a:stretch/>
+        </p:blipFill>
+        <p:spPr>
+          <a:xfrm>
+            <a:off x="2875197" y="105234"/>
+            <a:ext cx="10113081" cy="6647532"/>
+          </a:xfrm>
+          <a:prstGeom prst="rect">
+            <a:avLst/>
+          </a:prstGeom>
+        </p:spPr>
+      </p:pic>
+      <p:sp>
+        <p:nvSpPr>
+          <p:cNvPr id="11" name="Rectangle 10">
+            <a:extLst>
+              <a:ext uri="{FF2B5EF4-FFF2-40B4-BE49-F238E27FC236}">
+                <a16:creationId xmlns:a16="http://schemas.microsoft.com/office/drawing/2014/main" id="{047C8CCB-F95D-4249-92DD-651249D3535A}"/>
+              </a:ext>
+              <a:ext uri="{C183D7F6-B498-43B3-948B-1728B52AA6E4}">
+                <adec:decorative xmlns:adec="http://schemas.microsoft.com/office/drawing/2017/decorative" val="1"/>
+              </a:ext>
+            </a:extLst>
+          </p:cNvPr>
+          <p:cNvSpPr>
+            <a:spLocks noGrp="1" noRot="1" noChangeAspect="1" noMove="1" noResize="1" noEditPoints="1" noAdjustHandles="1" noChangeArrowheads="1" noChangeShapeType="1" noTextEdit="1"/>
+          </p:cNvSpPr>
+          <p:nvPr>
+            <p:extLst>
+              <p:ext uri="{386F3935-93C4-4BCD-93E2-E3B085C9AB24}">
+                <p16:designElem xmlns:p16="http://schemas.microsoft.com/office/powerpoint/2015/main" val="1"/>
+              </p:ext>
+            </p:extLst>
+          </p:nvPr>
+        </p:nvSpPr>
+        <p:spPr>
+          <a:xfrm>
+            <a:off x="0" y="0"/>
+            <a:ext cx="2013557" cy="6858000"/>
+          </a:xfrm>
+          <a:prstGeom prst="rect">
+            <a:avLst/>
+          </a:prstGeom>
+          <a:solidFill>
+            <a:srgbClr val="5F3B49"/>
+          </a:solidFill>
+          <a:ln>
+            <a:noFill/>
+          </a:ln>
+        </p:spPr>
+        <p:style>
+          <a:lnRef idx="2">
+            <a:schemeClr val="accent1">
+              <a:shade val="50000"/>
+            </a:schemeClr>
+          </a:lnRef>
+          <a:fillRef idx="1">
+            <a:schemeClr val="accent1"/>
+          </a:fillRef>
+          <a:effectRef idx="0">
+            <a:schemeClr val="accent1"/>
+          </a:effectRef>
+          <a:fontRef idx="minor">
+            <a:schemeClr val="lt1"/>
+          </a:fontRef>
+        </p:style>
+        <p:txBody>
+          <a:bodyPr rtlCol="0" anchor="ctr"/>
+          <a:lstStyle/>
+          <a:p>
+            <a:pPr algn="ctr"/>
+            <a:endParaRPr lang="en-US"/>
+          </a:p>
+        </p:txBody>
+      </p:sp>
+      <p:sp>
+        <p:nvSpPr>
           <p:cNvPr id="2" name="Title 1">
             <a:extLst>
               <a:ext uri="{FF2B5EF4-FFF2-40B4-BE49-F238E27FC236}">
+                <a16:creationId xmlns:a16="http://schemas.microsoft.com/office/drawing/2014/main" id="{F26A2B1D-74B9-43B0-B76E-5A8B9D2C1960}"/>
+              </a:ext>
+            </a:extLst>
+          </p:cNvPr>
+          <p:cNvSpPr>
+            <a:spLocks noGrp="1"/>
+          </p:cNvSpPr>
+          <p:nvPr>
+            <p:ph type="title"/>
+          </p:nvPr>
+        </p:nvSpPr>
+        <p:spPr>
+          <a:xfrm>
+            <a:off x="640080" y="2074363"/>
+            <a:ext cx="2752354" cy="2709275"/>
+          </a:xfrm>
+          <a:prstGeom prst="ellipse">
+            <a:avLst/>
+          </a:prstGeom>
+          <a:solidFill>
+            <a:srgbClr val="262626"/>
+          </a:solidFill>
+          <a:ln w="174625" cmpd="thinThick">
+            <a:solidFill>
+              <a:srgbClr val="262626"/>
+            </a:solidFill>
+          </a:ln>
+        </p:spPr>
+        <p:txBody>
+          <a:bodyPr vert="horz" lIns="91440" tIns="45720" rIns="91440" bIns="45720" rtlCol="0" anchor="ctr">
+            <a:normAutofit/>
+          </a:bodyPr>
+          <a:lstStyle/>
+          <a:p>
+            <a:pPr algn="ctr"/>
+            <a:r>
+              <a:rPr lang="en-US" sz="2600" kern="1200" dirty="0">
+                <a:solidFill>
+                  <a:srgbClr val="FFFFFF"/>
+                </a:solidFill>
+                <a:latin typeface="+mj-lt"/>
+                <a:ea typeface="+mj-ea"/>
+                <a:cs typeface="+mj-cs"/>
+              </a:rPr>
+              <a:t>Distinctive Aspects </a:t>
+            </a:r>
+          </a:p>
+        </p:txBody>
+      </p:sp>
+    </p:spTree>
+    <p:extLst>
+      <p:ext uri="{BB962C8B-B14F-4D97-AF65-F5344CB8AC3E}">
+        <p14:creationId xmlns:p14="http://schemas.microsoft.com/office/powerpoint/2010/main" val="690248256"/>
+      </p:ext>
+    </p:extLst>
+  </p:cSld>
+  <p:clrMapOvr>
+    <a:masterClrMapping/>
+  </p:clrMapOvr>
+  <p:transition spd="slow">
+    <p:push dir="u"/>
+  </p:transition>
+  <p:timing>
+    <p:tnLst>
+      <p:par>
+        <p:cTn id="1" dur="indefinite" restart="never" nodeType="tmRoot">
+          <p:childTnLst>
+            <p:seq concurrent="1" nextAc="seek">
+              <p:cTn id="2" dur="indefinite" nodeType="mainSeq">
+                <p:childTnLst>
+                  <p:par>
+                    <p:cTn id="3" fill="hold">
+                      <p:stCondLst>
+                        <p:cond delay="indefinite"/>
+                      </p:stCondLst>
+                      <p:childTnLst>
+                        <p:par>
+                          <p:cTn id="4" fill="hold">
+                            <p:stCondLst>
+                              <p:cond delay="0"/>
+                            </p:stCondLst>
+                            <p:childTnLst>
+                              <p:par>
+                                <p:cTn id="5" presetID="31" presetClass="entr" presetSubtype="0" fill="hold" grpId="0" nodeType="clickEffect">
+                                  <p:stCondLst>
+                                    <p:cond delay="0"/>
+                                  </p:stCondLst>
+                                  <p:childTnLst>
+                                    <p:set>
+                                      <p:cBhvr>
+                                        <p:cTn id="6" dur="1" fill="hold">
+                                          <p:stCondLst>
+                                            <p:cond delay="0"/>
+                                          </p:stCondLst>
+                                        </p:cTn>
+                                        <p:tgtEl>
+                                          <p:spTgt spid="2"/>
+                                        </p:tgtEl>
+                                        <p:attrNameLst>
+                                          <p:attrName>style.visibility</p:attrName>
+                                        </p:attrNameLst>
+                                      </p:cBhvr>
+                                      <p:to>
+                                        <p:strVal val="visible"/>
+                                      </p:to>
+                                    </p:set>
+                                    <p:anim calcmode="lin" valueType="num">
+                                      <p:cBhvr>
+                                        <p:cTn id="7" dur="700" fill="hold"/>
+                                        <p:tgtEl>
+                                          <p:spTgt spid="2"/>
+                                        </p:tgtEl>
+                                        <p:attrNameLst>
+                                          <p:attrName>ppt_w</p:attrName>
+                                        </p:attrNameLst>
+                                      </p:cBhvr>
+                                      <p:tavLst>
+                                        <p:tav tm="0">
+                                          <p:val>
+                                            <p:fltVal val="0"/>
+                                          </p:val>
+                                        </p:tav>
+                                        <p:tav tm="100000">
+                                          <p:val>
+                                            <p:strVal val="#ppt_w"/>
+                                          </p:val>
+                                        </p:tav>
+                                      </p:tavLst>
+                                    </p:anim>
+                                    <p:anim calcmode="lin" valueType="num">
+                                      <p:cBhvr>
+                                        <p:cTn id="8" dur="700" fill="hold"/>
+                                        <p:tgtEl>
+                                          <p:spTgt spid="2"/>
+                                        </p:tgtEl>
+                                        <p:attrNameLst>
+                                          <p:attrName>ppt_h</p:attrName>
+                                        </p:attrNameLst>
+                                      </p:cBhvr>
+                                      <p:tavLst>
+                                        <p:tav tm="0">
+                                          <p:val>
+                                            <p:fltVal val="0"/>
+                                          </p:val>
+                                        </p:tav>
+                                        <p:tav tm="100000">
+                                          <p:val>
+                                            <p:strVal val="#ppt_h"/>
+                                          </p:val>
+                                        </p:tav>
+                                      </p:tavLst>
+                                    </p:anim>
+                                    <p:anim calcmode="lin" valueType="num">
+                                      <p:cBhvr>
+                                        <p:cTn id="9" dur="700" fill="hold"/>
+                                        <p:tgtEl>
+                                          <p:spTgt spid="2"/>
+                                        </p:tgtEl>
+                                        <p:attrNameLst>
+                                          <p:attrName>style.rotation</p:attrName>
+                                        </p:attrNameLst>
+                                      </p:cBhvr>
+                                      <p:tavLst>
+                                        <p:tav tm="0">
+                                          <p:val>
+                                            <p:fltVal val="90"/>
+                                          </p:val>
+                                        </p:tav>
+                                        <p:tav tm="100000">
+                                          <p:val>
+                                            <p:fltVal val="0"/>
+                                          </p:val>
+                                        </p:tav>
+                                      </p:tavLst>
+                                    </p:anim>
+                                    <p:animEffect transition="in" filter="fade">
+                                      <p:cBhvr>
+                                        <p:cTn id="10" dur="700"/>
+                                        <p:tgtEl>
+                                          <p:spTgt spid="2"/>
+                                        </p:tgtEl>
+                                      </p:cBhvr>
+                                    </p:animEffect>
+                                  </p:childTnLst>
+                                </p:cTn>
+                              </p:par>
+                            </p:childTnLst>
+                          </p:cTn>
+                        </p:par>
+                      </p:childTnLst>
+                    </p:cTn>
+                  </p:par>
+                  <p:par>
+                    <p:cTn id="11" fill="hold">
+                      <p:stCondLst>
+                        <p:cond delay="indefinite"/>
+                      </p:stCondLst>
+                      <p:childTnLst>
+                        <p:par>
+                          <p:cTn id="12" fill="hold">
+                            <p:stCondLst>
+                              <p:cond delay="0"/>
+                            </p:stCondLst>
+                            <p:childTnLst>
+                              <p:par>
+                                <p:cTn id="13" presetID="10" presetClass="entr" presetSubtype="0" fill="hold" nodeType="clickEffect">
+                                  <p:stCondLst>
+                                    <p:cond delay="0"/>
+                                  </p:stCondLst>
+                                  <p:childTnLst>
+                                    <p:set>
+                                      <p:cBhvr>
+                                        <p:cTn id="14" dur="1" fill="hold">
+                                          <p:stCondLst>
+                                            <p:cond delay="0"/>
+                                          </p:stCondLst>
+                                        </p:cTn>
+                                        <p:tgtEl>
+                                          <p:spTgt spid="4"/>
+                                        </p:tgtEl>
+                                        <p:attrNameLst>
+                                          <p:attrName>style.visibility</p:attrName>
+                                        </p:attrNameLst>
+                                      </p:cBhvr>
+                                      <p:to>
+                                        <p:strVal val="visible"/>
+                                      </p:to>
+                                    </p:set>
+                                    <p:animEffect transition="in" filter="fade">
+                                      <p:cBhvr>
+                                        <p:cTn id="15" dur="500"/>
+                                        <p:tgtEl>
+                                          <p:spTgt spid="4"/>
+                                        </p:tgtEl>
+                                      </p:cBhvr>
+                                    </p:animEffect>
+                                  </p:childTnLst>
+                                </p:cTn>
+                              </p:par>
+                            </p:childTnLst>
+                          </p:cTn>
+                        </p:par>
+                      </p:childTnLst>
+                    </p:cTn>
+                  </p:par>
+                </p:childTnLst>
+              </p:cTn>
+              <p:prevCondLst>
+                <p:cond evt="onPrev" delay="0">
+                  <p:tgtEl>
+                    <p:sldTgt/>
+                  </p:tgtEl>
+                </p:cond>
+              </p:prevCondLst>
+              <p:nextCondLst>
+                <p:cond evt="onNext" delay="0">
+                  <p:tgtEl>
+                    <p:sldTgt/>
+                  </p:tgtEl>
+                </p:cond>
+              </p:nextCondLst>
+            </p:seq>
+          </p:childTnLst>
+        </p:cTn>
+      </p:par>
+    </p:tnLst>
+    <p:bldLst>
+      <p:bldP spid="2" grpId="0" animBg="1"/>
+    </p:bldLst>
+  </p:timing>
+</p:sld>
+</file>
+
+<file path=ppt/slides/slide6.xml><?xml version="1.0" encoding="utf-8"?>
+<p:sld xmlns:a="http://schemas.openxmlformats.org/drawingml/2006/main" xmlns:r="http://schemas.openxmlformats.org/officeDocument/2006/relationships" xmlns:p="http://schemas.openxmlformats.org/presentationml/2006/main">
+  <p:cSld>
+    <p:bg>
+      <p:bgPr>
+        <a:solidFill>
+          <a:schemeClr val="bg1"/>
+        </a:solidFill>
+        <a:effectLst/>
+      </p:bgPr>
+    </p:bg>
+    <p:spTree>
+      <p:nvGrpSpPr>
+        <p:cNvPr id="1" name=""/>
+        <p:cNvGrpSpPr/>
+        <p:nvPr/>
+      </p:nvGrpSpPr>
+      <p:grpSpPr>
+        <a:xfrm>
+          <a:off x="0" y="0"/>
+          <a:ext cx="0" cy="0"/>
+          <a:chOff x="0" y="0"/>
+          <a:chExt cx="0" cy="0"/>
+        </a:xfrm>
+      </p:grpSpPr>
+      <p:sp>
+        <p:nvSpPr>
+          <p:cNvPr id="15" name="Rectangle 8">
+            <a:extLst>
+              <a:ext uri="{FF2B5EF4-FFF2-40B4-BE49-F238E27FC236}">
+                <a16:creationId xmlns:a16="http://schemas.microsoft.com/office/drawing/2014/main" id="{6753252F-4873-4F63-801D-CC719279A7D5}"/>
+              </a:ext>
+              <a:ext uri="{C183D7F6-B498-43B3-948B-1728B52AA6E4}">
+                <adec:decorative xmlns:adec="http://schemas.microsoft.com/office/drawing/2017/decorative" val="1"/>
+              </a:ext>
+            </a:extLst>
+          </p:cNvPr>
+          <p:cNvSpPr>
+            <a:spLocks noGrp="1" noRot="1" noChangeAspect="1" noMove="1" noResize="1" noEditPoints="1" noAdjustHandles="1" noChangeArrowheads="1" noChangeShapeType="1" noTextEdit="1"/>
+          </p:cNvSpPr>
+          <p:nvPr>
+            <p:extLst>
+              <p:ext uri="{386F3935-93C4-4BCD-93E2-E3B085C9AB24}">
+                <p16:designElem xmlns:p16="http://schemas.microsoft.com/office/powerpoint/2015/main" val="1"/>
+              </p:ext>
+            </p:extLst>
+          </p:nvPr>
+        </p:nvSpPr>
+        <p:spPr>
+          <a:xfrm>
+            <a:off x="0" y="0"/>
+            <a:ext cx="12192000" cy="6858000"/>
+          </a:xfrm>
+          <a:prstGeom prst="rect">
+            <a:avLst/>
+          </a:prstGeom>
+          <a:solidFill>
+            <a:srgbClr val="FFFFFF"/>
+          </a:solidFill>
+          <a:ln>
+            <a:noFill/>
+          </a:ln>
+        </p:spPr>
+        <p:style>
+          <a:lnRef idx="2">
+            <a:schemeClr val="accent1">
+              <a:shade val="50000"/>
+            </a:schemeClr>
+          </a:lnRef>
+          <a:fillRef idx="1">
+            <a:schemeClr val="accent1"/>
+          </a:fillRef>
+          <a:effectRef idx="0">
+            <a:schemeClr val="accent1"/>
+          </a:effectRef>
+          <a:fontRef idx="minor">
+            <a:schemeClr val="lt1"/>
+          </a:fontRef>
+        </p:style>
+        <p:txBody>
+          <a:bodyPr rtlCol="0" anchor="ctr"/>
+          <a:lstStyle/>
+          <a:p>
+            <a:pPr algn="ctr"/>
+            <a:endParaRPr lang="en-US"/>
+          </a:p>
+        </p:txBody>
+      </p:sp>
+      <p:sp>
+        <p:nvSpPr>
+          <p:cNvPr id="11" name="Rectangle 10">
+            <a:extLst>
+              <a:ext uri="{FF2B5EF4-FFF2-40B4-BE49-F238E27FC236}">
+                <a16:creationId xmlns:a16="http://schemas.microsoft.com/office/drawing/2014/main" id="{047C8CCB-F95D-4249-92DD-651249D3535A}"/>
+              </a:ext>
+              <a:ext uri="{C183D7F6-B498-43B3-948B-1728B52AA6E4}">
+                <adec:decorative xmlns:adec="http://schemas.microsoft.com/office/drawing/2017/decorative" val="1"/>
+              </a:ext>
+            </a:extLst>
+          </p:cNvPr>
+          <p:cNvSpPr>
+            <a:spLocks noGrp="1" noRot="1" noChangeAspect="1" noMove="1" noResize="1" noEditPoints="1" noAdjustHandles="1" noChangeArrowheads="1" noChangeShapeType="1" noTextEdit="1"/>
+          </p:cNvSpPr>
+          <p:nvPr>
+            <p:extLst>
+              <p:ext uri="{386F3935-93C4-4BCD-93E2-E3B085C9AB24}">
+                <p16:designElem xmlns:p16="http://schemas.microsoft.com/office/powerpoint/2015/main" val="1"/>
+              </p:ext>
+            </p:extLst>
+          </p:nvPr>
+        </p:nvSpPr>
+        <p:spPr>
+          <a:xfrm>
+            <a:off x="0" y="0"/>
+            <a:ext cx="2013557" cy="6858000"/>
+          </a:xfrm>
+          <a:prstGeom prst="rect">
+            <a:avLst/>
+          </a:prstGeom>
+          <a:solidFill>
+            <a:srgbClr val="5F3B49"/>
+          </a:solidFill>
+          <a:ln>
+            <a:noFill/>
+          </a:ln>
+        </p:spPr>
+        <p:style>
+          <a:lnRef idx="2">
+            <a:schemeClr val="accent1">
+              <a:shade val="50000"/>
+            </a:schemeClr>
+          </a:lnRef>
+          <a:fillRef idx="1">
+            <a:schemeClr val="accent1"/>
+          </a:fillRef>
+          <a:effectRef idx="0">
+            <a:schemeClr val="accent1"/>
+          </a:effectRef>
+          <a:fontRef idx="minor">
+            <a:schemeClr val="lt1"/>
+          </a:fontRef>
+        </p:style>
+        <p:txBody>
+          <a:bodyPr rtlCol="0" anchor="ctr"/>
+          <a:lstStyle/>
+          <a:p>
+            <a:pPr algn="ctr"/>
+            <a:endParaRPr lang="en-US"/>
+          </a:p>
+        </p:txBody>
+      </p:sp>
+      <p:pic>
+        <p:nvPicPr>
+          <p:cNvPr id="5" name="Picture 4">
+            <a:extLst>
+              <a:ext uri="{FF2B5EF4-FFF2-40B4-BE49-F238E27FC236}">
+                <a16:creationId xmlns:a16="http://schemas.microsoft.com/office/drawing/2014/main" id="{989188E1-A7B3-4169-9591-01B450B5CD41}"/>
+              </a:ext>
+            </a:extLst>
+          </p:cNvPr>
+          <p:cNvPicPr>
+            <a:picLocks noChangeAspect="1"/>
+          </p:cNvPicPr>
+          <p:nvPr/>
+        </p:nvPicPr>
+        <p:blipFill rotWithShape="1">
+          <a:blip r:embed="rId2">
+            <a:extLst>
+              <a:ext uri="{28A0092B-C50C-407E-A947-70E740481C1C}">
+                <a14:useLocalDpi xmlns:a14="http://schemas.microsoft.com/office/drawing/2010/main" val="0"/>
+              </a:ext>
+            </a:extLst>
+          </a:blip>
+          <a:srcRect l="-1" r="15735"/>
+          <a:stretch/>
+        </p:blipFill>
+        <p:spPr>
+          <a:xfrm>
+            <a:off x="1994504" y="0"/>
+            <a:ext cx="10273693" cy="3526541"/>
+          </a:xfrm>
+          <a:prstGeom prst="rect">
+            <a:avLst/>
+          </a:prstGeom>
+        </p:spPr>
+      </p:pic>
+      <p:pic>
+        <p:nvPicPr>
+          <p:cNvPr id="14" name="Picture 13">
+            <a:extLst>
+              <a:ext uri="{FF2B5EF4-FFF2-40B4-BE49-F238E27FC236}">
+                <a16:creationId xmlns:a16="http://schemas.microsoft.com/office/drawing/2014/main" id="{A0468F13-0845-436E-AAB1-AAB84FC28C9B}"/>
+              </a:ext>
+            </a:extLst>
+          </p:cNvPr>
+          <p:cNvPicPr>
+            <a:picLocks noChangeAspect="1"/>
+          </p:cNvPicPr>
+          <p:nvPr/>
+        </p:nvPicPr>
+        <p:blipFill>
+          <a:blip r:embed="rId3">
+            <a:extLst>
+              <a:ext uri="{28A0092B-C50C-407E-A947-70E740481C1C}">
+                <a14:useLocalDpi xmlns:a14="http://schemas.microsoft.com/office/drawing/2010/main" val="0"/>
+              </a:ext>
+            </a:extLst>
+          </a:blip>
+          <a:stretch>
+            <a:fillRect/>
+          </a:stretch>
+        </p:blipFill>
+        <p:spPr>
+          <a:xfrm>
+            <a:off x="2013555" y="3951588"/>
+            <a:ext cx="10273693" cy="2868170"/>
+          </a:xfrm>
+          <a:prstGeom prst="rect">
+            <a:avLst/>
+          </a:prstGeom>
+        </p:spPr>
+      </p:pic>
+      <p:sp>
+        <p:nvSpPr>
+          <p:cNvPr id="2" name="Title 1">
+            <a:extLst>
+              <a:ext uri="{FF2B5EF4-FFF2-40B4-BE49-F238E27FC236}">
+                <a16:creationId xmlns:a16="http://schemas.microsoft.com/office/drawing/2014/main" id="{F26A2B1D-74B9-43B0-B76E-5A8B9D2C1960}"/>
+              </a:ext>
+            </a:extLst>
+          </p:cNvPr>
+          <p:cNvSpPr>
+            <a:spLocks noGrp="1"/>
+          </p:cNvSpPr>
+          <p:nvPr>
+            <p:ph type="title"/>
+          </p:nvPr>
+        </p:nvSpPr>
+        <p:spPr>
+          <a:xfrm>
+            <a:off x="640080" y="2074363"/>
+            <a:ext cx="2752354" cy="2709275"/>
+          </a:xfrm>
+          <a:prstGeom prst="ellipse">
+            <a:avLst/>
+          </a:prstGeom>
+          <a:solidFill>
+            <a:srgbClr val="262626"/>
+          </a:solidFill>
+          <a:ln w="174625" cmpd="thinThick">
+            <a:solidFill>
+              <a:srgbClr val="262626"/>
+            </a:solidFill>
+          </a:ln>
+        </p:spPr>
+        <p:txBody>
+          <a:bodyPr vert="horz" lIns="91440" tIns="45720" rIns="91440" bIns="45720" rtlCol="0" anchor="ctr">
+            <a:normAutofit/>
+          </a:bodyPr>
+          <a:lstStyle/>
+          <a:p>
+            <a:pPr algn="ctr"/>
+            <a:r>
+              <a:rPr lang="en-US" sz="2600" kern="1200" dirty="0">
+                <a:solidFill>
+                  <a:srgbClr val="FFFFFF"/>
+                </a:solidFill>
+                <a:latin typeface="+mj-lt"/>
+                <a:ea typeface="+mj-ea"/>
+                <a:cs typeface="+mj-cs"/>
+              </a:rPr>
+              <a:t>Distinctive Aspects</a:t>
+            </a:r>
+            <a:br>
+              <a:rPr lang="en-US" sz="2600" kern="1200" dirty="0">
+                <a:solidFill>
+                  <a:srgbClr val="FFFFFF"/>
+                </a:solidFill>
+                <a:latin typeface="+mj-lt"/>
+                <a:ea typeface="+mj-ea"/>
+                <a:cs typeface="+mj-cs"/>
+              </a:rPr>
+            </a:br>
+            <a:r>
+              <a:rPr lang="en-US" sz="2600" kern="1200" dirty="0">
+                <a:solidFill>
+                  <a:srgbClr val="FFFFFF"/>
+                </a:solidFill>
+                <a:latin typeface="+mj-lt"/>
+                <a:ea typeface="+mj-ea"/>
+                <a:cs typeface="+mj-cs"/>
+              </a:rPr>
+              <a:t>Continued </a:t>
+            </a:r>
+          </a:p>
+        </p:txBody>
+      </p:sp>
+      <p:sp>
+        <p:nvSpPr>
+          <p:cNvPr id="16" name="Arrow: Down 15">
+            <a:extLst>
+              <a:ext uri="{FF2B5EF4-FFF2-40B4-BE49-F238E27FC236}">
+                <a16:creationId xmlns:a16="http://schemas.microsoft.com/office/drawing/2014/main" id="{E29BBF98-4B5B-4F24-8A60-056858938147}"/>
+              </a:ext>
+            </a:extLst>
+          </p:cNvPr>
+          <p:cNvSpPr/>
+          <p:nvPr/>
+        </p:nvSpPr>
+        <p:spPr>
+          <a:xfrm>
+            <a:off x="6370120" y="3013729"/>
+            <a:ext cx="647700" cy="937859"/>
+          </a:xfrm>
+          <a:prstGeom prst="downArrow">
+            <a:avLst/>
+          </a:prstGeom>
+          <a:solidFill>
+            <a:srgbClr val="FF0000"/>
+          </a:solidFill>
+          <a:ln>
+            <a:solidFill>
+              <a:schemeClr val="tx1">
+                <a:lumMod val="95000"/>
+                <a:lumOff val="5000"/>
+              </a:schemeClr>
+            </a:solidFill>
+          </a:ln>
+        </p:spPr>
+        <p:style>
+          <a:lnRef idx="2">
+            <a:schemeClr val="accent1">
+              <a:shade val="50000"/>
+            </a:schemeClr>
+          </a:lnRef>
+          <a:fillRef idx="1">
+            <a:schemeClr val="accent1"/>
+          </a:fillRef>
+          <a:effectRef idx="0">
+            <a:schemeClr val="accent1"/>
+          </a:effectRef>
+          <a:fontRef idx="minor">
+            <a:schemeClr val="lt1"/>
+          </a:fontRef>
+        </p:style>
+        <p:txBody>
+          <a:bodyPr rtlCol="0" anchor="ctr"/>
+          <a:lstStyle/>
+          <a:p>
+            <a:pPr algn="ctr"/>
+            <a:endParaRPr lang="en-US"/>
+          </a:p>
+        </p:txBody>
+      </p:sp>
+      <p:pic>
+        <p:nvPicPr>
+          <p:cNvPr id="17" name="Picture 16">
+            <a:extLst>
+              <a:ext uri="{FF2B5EF4-FFF2-40B4-BE49-F238E27FC236}">
+                <a16:creationId xmlns:a16="http://schemas.microsoft.com/office/drawing/2014/main" id="{0A628D83-4715-4BE7-BD73-E8142D3D5A84}"/>
+              </a:ext>
+            </a:extLst>
+          </p:cNvPr>
+          <p:cNvPicPr>
+            <a:picLocks noChangeAspect="1"/>
+          </p:cNvPicPr>
+          <p:nvPr/>
+        </p:nvPicPr>
+        <p:blipFill rotWithShape="1">
+          <a:blip r:embed="rId2">
+            <a:extLst>
+              <a:ext uri="{28A0092B-C50C-407E-A947-70E740481C1C}">
+                <a14:useLocalDpi xmlns:a14="http://schemas.microsoft.com/office/drawing/2010/main" val="0"/>
+              </a:ext>
+            </a:extLst>
+          </a:blip>
+          <a:srcRect l="-1" r="15735"/>
+          <a:stretch/>
+        </p:blipFill>
+        <p:spPr>
+          <a:xfrm>
+            <a:off x="1994503" y="-1"/>
+            <a:ext cx="10273693" cy="3526541"/>
+          </a:xfrm>
+          <a:prstGeom prst="rect">
+            <a:avLst/>
+          </a:prstGeom>
+        </p:spPr>
+      </p:pic>
+    </p:spTree>
+    <p:extLst>
+      <p:ext uri="{BB962C8B-B14F-4D97-AF65-F5344CB8AC3E}">
+        <p14:creationId xmlns:p14="http://schemas.microsoft.com/office/powerpoint/2010/main" val="414030596"/>
+      </p:ext>
+    </p:extLst>
+  </p:cSld>
+  <p:clrMapOvr>
+    <a:masterClrMapping/>
+  </p:clrMapOvr>
+  <mc:AlternateContent xmlns:mc="http://schemas.openxmlformats.org/markup-compatibility/2006" xmlns:p14="http://schemas.microsoft.com/office/powerpoint/2010/main">
+    <mc:Choice Requires="p14">
+      <p:transition spd="med" p14:dur="700">
+        <p:fade/>
+      </p:transition>
+    </mc:Choice>
+    <mc:Fallback xmlns="">
+      <p:transition spd="med">
+        <p:fade/>
+      </p:transition>
+    </mc:Fallback>
+  </mc:AlternateContent>
+  <p:timing>
+    <p:tnLst>
+      <p:par>
+        <p:cTn id="1" dur="indefinite" restart="never" nodeType="tmRoot">
+          <p:childTnLst>
+            <p:seq concurrent="1" nextAc="seek">
+              <p:cTn id="2" dur="indefinite" nodeType="mainSeq">
+                <p:childTnLst>
+                  <p:par>
+                    <p:cTn id="3" fill="hold">
+                      <p:stCondLst>
+                        <p:cond delay="indefinite"/>
+                        <p:cond evt="onBegin" delay="0">
+                          <p:tn val="2"/>
+                        </p:cond>
+                      </p:stCondLst>
+                      <p:childTnLst>
+                        <p:par>
+                          <p:cTn id="4" fill="hold">
+                            <p:stCondLst>
+                              <p:cond delay="0"/>
+                            </p:stCondLst>
+                            <p:childTnLst>
+                              <p:par>
+                                <p:cTn id="5" presetID="8" presetClass="emph" presetSubtype="0" fill="hold" grpId="0" nodeType="withEffect">
+                                  <p:stCondLst>
+                                    <p:cond delay="0"/>
+                                  </p:stCondLst>
+                                  <p:childTnLst>
+                                    <p:animRot by="21600000">
+                                      <p:cBhvr>
+                                        <p:cTn id="6" dur="500" fill="hold"/>
+                                        <p:tgtEl>
+                                          <p:spTgt spid="2"/>
+                                        </p:tgtEl>
+                                        <p:attrNameLst>
+                                          <p:attrName>r</p:attrName>
+                                        </p:attrNameLst>
+                                      </p:cBhvr>
+                                    </p:animRot>
+                                  </p:childTnLst>
+                                </p:cTn>
+                              </p:par>
+                            </p:childTnLst>
+                          </p:cTn>
+                        </p:par>
+                      </p:childTnLst>
+                    </p:cTn>
+                  </p:par>
+                  <p:par>
+                    <p:cTn id="7" fill="hold">
+                      <p:stCondLst>
+                        <p:cond delay="indefinite"/>
+                      </p:stCondLst>
+                      <p:childTnLst>
+                        <p:par>
+                          <p:cTn id="8" fill="hold">
+                            <p:stCondLst>
+                              <p:cond delay="0"/>
+                            </p:stCondLst>
+                            <p:childTnLst>
+                              <p:par>
+                                <p:cTn id="9" presetID="10" presetClass="entr" presetSubtype="0" fill="hold" nodeType="clickEffect">
+                                  <p:stCondLst>
+                                    <p:cond delay="0"/>
+                                  </p:stCondLst>
+                                  <p:childTnLst>
+                                    <p:set>
+                                      <p:cBhvr>
+                                        <p:cTn id="10" dur="1" fill="hold">
+                                          <p:stCondLst>
+                                            <p:cond delay="0"/>
+                                          </p:stCondLst>
+                                        </p:cTn>
+                                        <p:tgtEl>
+                                          <p:spTgt spid="17"/>
+                                        </p:tgtEl>
+                                        <p:attrNameLst>
+                                          <p:attrName>style.visibility</p:attrName>
+                                        </p:attrNameLst>
+                                      </p:cBhvr>
+                                      <p:to>
+                                        <p:strVal val="visible"/>
+                                      </p:to>
+                                    </p:set>
+                                    <p:animEffect transition="in" filter="fade">
+                                      <p:cBhvr>
+                                        <p:cTn id="11" dur="600"/>
+                                        <p:tgtEl>
+                                          <p:spTgt spid="17"/>
+                                        </p:tgtEl>
+                                      </p:cBhvr>
+                                    </p:animEffect>
+                                  </p:childTnLst>
+                                </p:cTn>
+                              </p:par>
+                            </p:childTnLst>
+                          </p:cTn>
+                        </p:par>
+                        <p:par>
+                          <p:cTn id="12" fill="hold">
+                            <p:stCondLst>
+                              <p:cond delay="600"/>
+                            </p:stCondLst>
+                            <p:childTnLst>
+                              <p:par>
+                                <p:cTn id="13" presetID="1" presetClass="entr" presetSubtype="0" fill="hold" nodeType="afterEffect">
+                                  <p:stCondLst>
+                                    <p:cond delay="0"/>
+                                  </p:stCondLst>
+                                  <p:childTnLst>
+                                    <p:set>
+                                      <p:cBhvr>
+                                        <p:cTn id="14" dur="1" fill="hold">
+                                          <p:stCondLst>
+                                            <p:cond delay="0"/>
+                                          </p:stCondLst>
+                                        </p:cTn>
+                                        <p:tgtEl>
+                                          <p:spTgt spid="5"/>
+                                        </p:tgtEl>
+                                        <p:attrNameLst>
+                                          <p:attrName>style.visibility</p:attrName>
+                                        </p:attrNameLst>
+                                      </p:cBhvr>
+                                      <p:to>
+                                        <p:strVal val="visible"/>
+                                      </p:to>
+                                    </p:set>
+                                  </p:childTnLst>
+                                </p:cTn>
+                              </p:par>
+                            </p:childTnLst>
+                          </p:cTn>
+                        </p:par>
+                      </p:childTnLst>
+                    </p:cTn>
+                  </p:par>
+                  <p:par>
+                    <p:cTn id="15" fill="hold">
+                      <p:stCondLst>
+                        <p:cond delay="indefinite"/>
+                      </p:stCondLst>
+                      <p:childTnLst>
+                        <p:par>
+                          <p:cTn id="16" fill="hold">
+                            <p:stCondLst>
+                              <p:cond delay="0"/>
+                            </p:stCondLst>
+                            <p:childTnLst>
+                              <p:par>
+                                <p:cTn id="17" presetID="10" presetClass="exit" presetSubtype="0" fill="hold" nodeType="clickEffect">
+                                  <p:stCondLst>
+                                    <p:cond delay="0"/>
+                                  </p:stCondLst>
+                                  <p:childTnLst>
+                                    <p:animEffect transition="out" filter="fade">
+                                      <p:cBhvr>
+                                        <p:cTn id="18" dur="500"/>
+                                        <p:tgtEl>
+                                          <p:spTgt spid="17"/>
+                                        </p:tgtEl>
+                                      </p:cBhvr>
+                                    </p:animEffect>
+                                    <p:set>
+                                      <p:cBhvr>
+                                        <p:cTn id="19" dur="1" fill="hold">
+                                          <p:stCondLst>
+                                            <p:cond delay="499"/>
+                                          </p:stCondLst>
+                                        </p:cTn>
+                                        <p:tgtEl>
+                                          <p:spTgt spid="17"/>
+                                        </p:tgtEl>
+                                        <p:attrNameLst>
+                                          <p:attrName>style.visibility</p:attrName>
+                                        </p:attrNameLst>
+                                      </p:cBhvr>
+                                      <p:to>
+                                        <p:strVal val="hidden"/>
+                                      </p:to>
+                                    </p:set>
+                                  </p:childTnLst>
+                                </p:cTn>
+                              </p:par>
+                              <p:par>
+                                <p:cTn id="20" presetID="47" presetClass="entr" presetSubtype="0" fill="hold" grpId="0" nodeType="withEffect">
+                                  <p:stCondLst>
+                                    <p:cond delay="0"/>
+                                  </p:stCondLst>
+                                  <p:childTnLst>
+                                    <p:set>
+                                      <p:cBhvr>
+                                        <p:cTn id="21" dur="1" fill="hold">
+                                          <p:stCondLst>
+                                            <p:cond delay="0"/>
+                                          </p:stCondLst>
+                                        </p:cTn>
+                                        <p:tgtEl>
+                                          <p:spTgt spid="16"/>
+                                        </p:tgtEl>
+                                        <p:attrNameLst>
+                                          <p:attrName>style.visibility</p:attrName>
+                                        </p:attrNameLst>
+                                      </p:cBhvr>
+                                      <p:to>
+                                        <p:strVal val="visible"/>
+                                      </p:to>
+                                    </p:set>
+                                    <p:animEffect transition="in" filter="fade">
+                                      <p:cBhvr>
+                                        <p:cTn id="22" dur="700"/>
+                                        <p:tgtEl>
+                                          <p:spTgt spid="16"/>
+                                        </p:tgtEl>
+                                      </p:cBhvr>
+                                    </p:animEffect>
+                                    <p:anim calcmode="lin" valueType="num">
+                                      <p:cBhvr>
+                                        <p:cTn id="23" dur="700" fill="hold"/>
+                                        <p:tgtEl>
+                                          <p:spTgt spid="16"/>
+                                        </p:tgtEl>
+                                        <p:attrNameLst>
+                                          <p:attrName>ppt_x</p:attrName>
+                                        </p:attrNameLst>
+                                      </p:cBhvr>
+                                      <p:tavLst>
+                                        <p:tav tm="0">
+                                          <p:val>
+                                            <p:strVal val="#ppt_x"/>
+                                          </p:val>
+                                        </p:tav>
+                                        <p:tav tm="100000">
+                                          <p:val>
+                                            <p:strVal val="#ppt_x"/>
+                                          </p:val>
+                                        </p:tav>
+                                      </p:tavLst>
+                                    </p:anim>
+                                    <p:anim calcmode="lin" valueType="num">
+                                      <p:cBhvr>
+                                        <p:cTn id="24" dur="700" fill="hold"/>
+                                        <p:tgtEl>
+                                          <p:spTgt spid="16"/>
+                                        </p:tgtEl>
+                                        <p:attrNameLst>
+                                          <p:attrName>ppt_y</p:attrName>
+                                        </p:attrNameLst>
+                                      </p:cBhvr>
+                                      <p:tavLst>
+                                        <p:tav tm="0">
+                                          <p:val>
+                                            <p:strVal val="#ppt_y-.1"/>
+                                          </p:val>
+                                        </p:tav>
+                                        <p:tav tm="100000">
+                                          <p:val>
+                                            <p:strVal val="#ppt_y"/>
+                                          </p:val>
+                                        </p:tav>
+                                      </p:tavLst>
+                                    </p:anim>
+                                  </p:childTnLst>
+                                </p:cTn>
+                              </p:par>
+                              <p:par>
+                                <p:cTn id="25" presetID="10" presetClass="entr" presetSubtype="0" fill="hold" nodeType="withEffect">
+                                  <p:stCondLst>
+                                    <p:cond delay="200"/>
+                                  </p:stCondLst>
+                                  <p:childTnLst>
+                                    <p:set>
+                                      <p:cBhvr>
+                                        <p:cTn id="26" dur="1" fill="hold">
+                                          <p:stCondLst>
+                                            <p:cond delay="0"/>
+                                          </p:stCondLst>
+                                        </p:cTn>
+                                        <p:tgtEl>
+                                          <p:spTgt spid="14"/>
+                                        </p:tgtEl>
+                                        <p:attrNameLst>
+                                          <p:attrName>style.visibility</p:attrName>
+                                        </p:attrNameLst>
+                                      </p:cBhvr>
+                                      <p:to>
+                                        <p:strVal val="visible"/>
+                                      </p:to>
+                                    </p:set>
+                                    <p:animEffect transition="in" filter="fade">
+                                      <p:cBhvr>
+                                        <p:cTn id="27" dur="600"/>
+                                        <p:tgtEl>
+                                          <p:spTgt spid="14"/>
+                                        </p:tgtEl>
+                                      </p:cBhvr>
+                                    </p:animEffect>
+                                  </p:childTnLst>
+                                </p:cTn>
+                              </p:par>
+                            </p:childTnLst>
+                          </p:cTn>
+                        </p:par>
+                      </p:childTnLst>
+                    </p:cTn>
+                  </p:par>
+                </p:childTnLst>
+              </p:cTn>
+              <p:prevCondLst>
+                <p:cond evt="onPrev" delay="0">
+                  <p:tgtEl>
+                    <p:sldTgt/>
+                  </p:tgtEl>
+                </p:cond>
+              </p:prevCondLst>
+              <p:nextCondLst>
+                <p:cond evt="onNext" delay="0">
+                  <p:tgtEl>
+                    <p:sldTgt/>
+                  </p:tgtEl>
+                </p:cond>
+              </p:nextCondLst>
+            </p:seq>
+          </p:childTnLst>
+        </p:cTn>
+      </p:par>
+    </p:tnLst>
+    <p:bldLst>
+      <p:bldP spid="2" grpId="0" animBg="1"/>
+      <p:bldP spid="16" grpId="0" animBg="1"/>
+    </p:bldLst>
+  </p:timing>
+</p:sld>
+</file>
+
+<file path=ppt/slides/slide7.xml><?xml version="1.0" encoding="utf-8"?>
+<p:sld xmlns:a="http://schemas.openxmlformats.org/drawingml/2006/main" xmlns:r="http://schemas.openxmlformats.org/officeDocument/2006/relationships" xmlns:p="http://schemas.openxmlformats.org/presentationml/2006/main">
+  <p:cSld>
+    <p:bg>
+      <p:bgPr>
+        <a:solidFill>
+          <a:schemeClr val="bg1">
+            <a:tint val="95000"/>
+            <a:satMod val="170000"/>
+          </a:schemeClr>
+        </a:solidFill>
+        <a:effectLst/>
+      </p:bgPr>
+    </p:bg>
+    <p:spTree>
+      <p:nvGrpSpPr>
+        <p:cNvPr id="1" name=""/>
+        <p:cNvGrpSpPr/>
+        <p:nvPr/>
+      </p:nvGrpSpPr>
+      <p:grpSpPr>
+        <a:xfrm>
+          <a:off x="0" y="0"/>
+          <a:ext cx="0" cy="0"/>
+          <a:chOff x="0" y="0"/>
+          <a:chExt cx="0" cy="0"/>
+        </a:xfrm>
+      </p:grpSpPr>
+      <p:sp>
+        <p:nvSpPr>
+          <p:cNvPr id="8" name="Rectangle 7">
+            <a:extLst>
+              <a:ext uri="{FF2B5EF4-FFF2-40B4-BE49-F238E27FC236}">
+                <a16:creationId xmlns:a16="http://schemas.microsoft.com/office/drawing/2014/main" id="{5B336162-B533-4EFE-8BB3-8EBB4A5E32F8}"/>
+              </a:ext>
+              <a:ext uri="{C183D7F6-B498-43B3-948B-1728B52AA6E4}">
+                <adec:decorative xmlns:adec="http://schemas.microsoft.com/office/drawing/2017/decorative" val="1"/>
+              </a:ext>
+            </a:extLst>
+          </p:cNvPr>
+          <p:cNvSpPr>
+            <a:spLocks noGrp="1" noRot="1" noChangeAspect="1" noMove="1" noResize="1" noEditPoints="1" noAdjustHandles="1" noChangeArrowheads="1" noChangeShapeType="1" noTextEdit="1"/>
+          </p:cNvSpPr>
+          <p:nvPr>
+            <p:extLst>
+              <p:ext uri="{386F3935-93C4-4BCD-93E2-E3B085C9AB24}">
+                <p16:designElem xmlns:p16="http://schemas.microsoft.com/office/powerpoint/2015/main" val="1"/>
+              </p:ext>
+            </p:extLst>
+          </p:nvPr>
+        </p:nvSpPr>
+        <p:spPr>
+          <a:xfrm>
+            <a:off x="0" y="0"/>
+            <a:ext cx="5314384" cy="6858000"/>
+          </a:xfrm>
+          <a:prstGeom prst="rect">
+            <a:avLst/>
+          </a:prstGeom>
+          <a:solidFill>
+            <a:srgbClr val="D0CECE"/>
+          </a:solidFill>
+          <a:ln>
+            <a:noFill/>
+          </a:ln>
+        </p:spPr>
+        <p:style>
+          <a:lnRef idx="2">
+            <a:schemeClr val="accent1">
+              <a:shade val="50000"/>
+            </a:schemeClr>
+          </a:lnRef>
+          <a:fillRef idx="1">
+            <a:schemeClr val="accent1"/>
+          </a:fillRef>
+          <a:effectRef idx="0">
+            <a:schemeClr val="accent1"/>
+          </a:effectRef>
+          <a:fontRef idx="minor">
+            <a:schemeClr val="lt1"/>
+          </a:fontRef>
+        </p:style>
+        <p:txBody>
+          <a:bodyPr rtlCol="0" anchor="ctr"/>
+          <a:lstStyle/>
+          <a:p>
+            <a:pPr algn="ctr"/>
+            <a:endParaRPr lang="en-US"/>
+          </a:p>
+        </p:txBody>
+      </p:sp>
+      <p:sp>
+        <p:nvSpPr>
+          <p:cNvPr id="2" name="Title 1">
+            <a:extLst>
+              <a:ext uri="{FF2B5EF4-FFF2-40B4-BE49-F238E27FC236}">
                 <a16:creationId xmlns:a16="http://schemas.microsoft.com/office/drawing/2014/main" id="{FB5BD9AE-DE7D-44EB-B213-68D8EB2F213F}"/>
               </a:ext>
             </a:extLst>
@@ -4610,13 +7465,34 @@
             <p:ph type="title"/>
           </p:nvPr>
         </p:nvSpPr>
-        <p:spPr/>
-        <p:txBody>
-          <a:bodyPr/>
+        <p:spPr>
+          <a:xfrm>
+            <a:off x="829781" y="2745736"/>
+            <a:ext cx="3698803" cy="1366528"/>
+          </a:xfrm>
+          <a:solidFill>
+            <a:srgbClr val="FFFFFF"/>
+          </a:solidFill>
+          <a:ln w="25400" cap="sq">
+            <a:solidFill>
+              <a:srgbClr val="404040"/>
+            </a:solidFill>
+            <a:miter lim="800000"/>
+          </a:ln>
+        </p:spPr>
+        <p:txBody>
+          <a:bodyPr>
+            <a:normAutofit/>
+          </a:bodyPr>
           <a:lstStyle/>
           <a:p>
-            <a:r>
-              <a:rPr lang="en-US" dirty="0"/>
+            <a:pPr algn="ctr"/>
+            <a:r>
+              <a:rPr lang="en-US" sz="3200">
+                <a:solidFill>
+                  <a:srgbClr val="262626"/>
+                </a:solidFill>
+              </a:rPr>
               <a:t>Citations</a:t>
             </a:r>
           </a:p>
@@ -4638,32 +7514,31 @@
             <p:ph idx="1"/>
           </p:nvPr>
         </p:nvSpPr>
-        <p:spPr/>
-        <p:txBody>
-          <a:bodyPr/>
+        <p:spPr>
+          <a:xfrm>
+            <a:off x="6049182" y="802638"/>
+            <a:ext cx="5408696" cy="5252722"/>
+          </a:xfrm>
+        </p:spPr>
+        <p:txBody>
+          <a:bodyPr anchor="ctr">
+            <a:normAutofit/>
+          </a:bodyPr>
           <a:lstStyle/>
           <a:p>
             <a:pPr marL="0" indent="0">
               <a:buNone/>
             </a:pPr>
             <a:r>
-              <a:rPr lang="en-US" dirty="0"/>
-              <a:t>Burstein, L. </a:t>
-            </a:r>
-            <a:r>
-              <a:rPr lang="en-US" dirty="0" err="1"/>
-              <a:t>Poundie</a:t>
-            </a:r>
-            <a:r>
-              <a:rPr lang="en-US" dirty="0"/>
-              <a:t>., and Joseph Nathan. Straus. </a:t>
-            </a:r>
-            <a:r>
-              <a:rPr lang="en-US" i="1" dirty="0"/>
+              <a:rPr lang="en-US" sz="2400"/>
+              <a:t>Burstein, L. Poundie., and Joseph Nathan. Straus. </a:t>
+            </a:r>
+            <a:r>
+              <a:rPr lang="en-US" sz="2400" i="1"/>
               <a:t>Concise Introduction to Tonal Harmony</a:t>
             </a:r>
             <a:r>
-              <a:rPr lang="en-US" dirty="0"/>
+              <a:rPr lang="en-US" sz="2400"/>
               <a:t>. W.W. Norton, 2016.</a:t>
             </a:r>
           </a:p>
@@ -4671,7 +7546,7 @@
             <a:pPr marL="0" indent="0">
               <a:buNone/>
             </a:pPr>
-            <a:endParaRPr lang="en-US" dirty="0"/>
+            <a:endParaRPr lang="en-US" sz="2400"/>
           </a:p>
         </p:txBody>
       </p:sp>
@@ -4683,16 +7558,16 @@
     </p:extLst>
   </p:cSld>
   <p:clrMapOvr>
-    <a:masterClrMapping/>
+    <a:overrideClrMapping bg1="dk1" tx1="lt1" bg2="dk2" tx2="lt2" accent1="accent1" accent2="accent2" accent3="accent3" accent4="accent4" accent5="accent5" accent6="accent6" hlink="hlink" folHlink="folHlink"/>
   </p:clrMapOvr>
   <mc:AlternateContent xmlns:mc="http://schemas.openxmlformats.org/markup-compatibility/2006">
     <mc:Choice xmlns:p14="http://schemas.microsoft.com/office/powerpoint/2010/main" Requires="p14">
-      <p:transition spd="med" p14:dur="700">
-        <p:fade/>
+      <p:transition spd="slow" p14:dur="2000">
+        <p14:vortex dir="r"/>
       </p:transition>
     </mc:Choice>
     <mc:Fallback>
-      <p:transition spd="med">
+      <p:transition spd="slow">
         <p:fade/>
       </p:transition>
     </mc:Fallback>
